--- a/metody.pptx
+++ b/metody.pptx
@@ -5,7 +5,7 @@
     <p:sldMasterId id="2147483648" r:id="rId1"/>
   </p:sldMasterIdLst>
   <p:notesMasterIdLst>
-    <p:notesMasterId r:id="rId11"/>
+    <p:notesMasterId r:id="rId13"/>
   </p:notesMasterIdLst>
   <p:sldIdLst>
     <p:sldId id="256" r:id="rId2"/>
@@ -17,6 +17,8 @@
     <p:sldId id="262" r:id="rId8"/>
     <p:sldId id="263" r:id="rId9"/>
     <p:sldId id="264" r:id="rId10"/>
+    <p:sldId id="265" r:id="rId11"/>
+    <p:sldId id="266" r:id="rId12"/>
   </p:sldIdLst>
   <p:sldSz cx="12192000" cy="6858000"/>
   <p:notesSz cx="6858000" cy="9144000"/>
@@ -523,138 +525,7 @@
           <a:bodyPr/>
           <a:lstStyle/>
           <a:p>
-            <a:r>
-              <a:rPr lang="cs-CZ" dirty="0"/>
-              <a:t>V OOP jsou v podstatě také funkcemi, které mohou pracovat s daty </a:t>
-            </a:r>
-            <a:r>
-              <a:rPr lang="cs-CZ" dirty="0">
-                <a:hlinkClick r:id="rId3" tooltip="Třída (programování)"/>
-              </a:rPr>
-              <a:t>třídy</a:t>
-            </a:r>
-            <a:r>
-              <a:rPr lang="cs-CZ" dirty="0"/>
-              <a:t> nebo </a:t>
-            </a:r>
-            <a:r>
-              <a:rPr lang="cs-CZ" dirty="0">
-                <a:hlinkClick r:id="rId4" tooltip="Objekt (programování)"/>
-              </a:rPr>
-              <a:t>objektu</a:t>
-            </a:r>
-            <a:r>
-              <a:rPr lang="cs-CZ" dirty="0"/>
-              <a:t>. Z vnějšku jsou data neviditelná – nepřístupná, jelikož jsou zapouzdřena v objektu a nelze je volat přímo. Metody určené k tomu, aby s daty objektu mohly pracovat i jiné objekty, nazýváme </a:t>
-            </a:r>
-            <a:r>
-              <a:rPr lang="cs-CZ" dirty="0">
-                <a:hlinkClick r:id="rId5" tooltip="Objektově orientované programování"/>
-              </a:rPr>
-              <a:t>rozhraním</a:t>
-            </a:r>
-            <a:r>
-              <a:rPr lang="cs-CZ" dirty="0"/>
-              <a:t> objektu.</a:t>
-            </a:r>
-            <a:endParaRPr lang="cs-CZ" b="1" dirty="0"/>
-          </a:p>
-          <a:p>
-            <a:endParaRPr lang="cs-CZ" b="1" dirty="0"/>
-          </a:p>
-          <a:p>
-            <a:r>
-              <a:rPr lang="cs-CZ" b="1" dirty="0"/>
-              <a:t>Statické metody</a:t>
-            </a:r>
-          </a:p>
-          <a:p>
-            <a:r>
-              <a:rPr lang="cs-CZ" dirty="0"/>
-              <a:t>Jsou součástí třídy, ale lze je použít aniž by byla vytvářena instance třídy. Chceme-li označit danou metodu jako statickou, použijeme klíčové slovo </a:t>
-            </a:r>
-            <a:r>
-              <a:rPr lang="cs-CZ" i="1" dirty="0"/>
-              <a:t>static</a:t>
-            </a:r>
-            <a:r>
-              <a:rPr lang="cs-CZ" dirty="0"/>
-              <a:t>. </a:t>
-            </a:r>
-          </a:p>
-          <a:p>
-            <a:r>
-              <a:rPr lang="cs-CZ" b="1" dirty="0"/>
-              <a:t>Abstraktní (virtuální) metody</a:t>
-            </a:r>
-          </a:p>
-          <a:p>
-            <a:r>
-              <a:rPr lang="cs-CZ" dirty="0"/>
-              <a:t>Při návrhu se lze setkat s případy, kdy chceme nechat implementaci určitých metod až na potomky. Jako příklad lze uvést třídu </a:t>
-            </a:r>
-            <a:r>
-              <a:rPr lang="cs-CZ" i="1" dirty="0"/>
-              <a:t>Obrazec</a:t>
-            </a:r>
-            <a:r>
-              <a:rPr lang="cs-CZ" dirty="0"/>
-              <a:t>, která definuje obecný </a:t>
-            </a:r>
-            <a:r>
-              <a:rPr lang="cs-CZ" dirty="0">
-                <a:hlinkClick r:id="rId6" tooltip="Geometrický útvar"/>
-              </a:rPr>
-              <a:t>geometrický útvar</a:t>
-            </a:r>
-            <a:r>
-              <a:rPr lang="cs-CZ" dirty="0"/>
-              <a:t> a u níž víme, že potomci budou mít stejné metody (např. </a:t>
-            </a:r>
-            <a:r>
-              <a:rPr lang="cs-CZ" dirty="0">
-                <a:hlinkClick r:id="rId7" tooltip="Obvod (geometrie)"/>
-              </a:rPr>
-              <a:t>obvod</a:t>
-            </a:r>
-            <a:r>
-              <a:rPr lang="cs-CZ" dirty="0"/>
-              <a:t> a </a:t>
-            </a:r>
-            <a:r>
-              <a:rPr lang="cs-CZ" dirty="0">
-                <a:hlinkClick r:id="rId8" tooltip="Obsah"/>
-              </a:rPr>
-              <a:t>obsah</a:t>
-            </a:r>
-            <a:r>
-              <a:rPr lang="cs-CZ" dirty="0"/>
-              <a:t>), ale jejich implementace bude různá. Pokud tedy označíme metodu jako </a:t>
-            </a:r>
-            <a:r>
-              <a:rPr lang="cs-CZ" i="1" dirty="0"/>
-              <a:t>abstraktní</a:t>
-            </a:r>
-            <a:r>
-              <a:rPr lang="cs-CZ" dirty="0"/>
-              <a:t> říkáme tím, že tuto metodu implementuje její potomek. Tyto metody se většinou označují klíčovým slovem </a:t>
-            </a:r>
-            <a:r>
-              <a:rPr lang="cs-CZ" i="1" dirty="0" err="1"/>
-              <a:t>abstract</a:t>
-            </a:r>
-            <a:r>
-              <a:rPr lang="cs-CZ" dirty="0"/>
-              <a:t> nebo </a:t>
-            </a:r>
-            <a:r>
-              <a:rPr lang="cs-CZ" i="1" dirty="0" err="1"/>
-              <a:t>virtual</a:t>
-            </a:r>
-            <a:r>
-              <a:rPr lang="cs-CZ" dirty="0"/>
-              <a:t>. </a:t>
-            </a:r>
+            <a:endParaRPr lang="cs-CZ" dirty="0"/>
           </a:p>
         </p:txBody>
       </p:sp>
@@ -675,7 +546,7 @@
           <a:p>
             <a:fld id="{F5B04A2B-021E-414E-AE15-7211829DC160}" type="slidenum">
               <a:rPr lang="cs-CZ" smtClean="0"/>
-              <a:t>2</a:t>
+              <a:t>1</a:t>
             </a:fld>
             <a:endParaRPr lang="cs-CZ"/>
           </a:p>
@@ -684,7 +555,7 @@
     </p:spTree>
     <p:extLst>
       <p:ext uri="{BB962C8B-B14F-4D97-AF65-F5344CB8AC3E}">
-        <p14:creationId xmlns:p14="http://schemas.microsoft.com/office/powerpoint/2010/main" val="3066249750"/>
+        <p14:creationId xmlns:p14="http://schemas.microsoft.com/office/powerpoint/2010/main" val="1652765330"/>
       </p:ext>
     </p:extLst>
   </p:cSld>
@@ -738,7 +609,58 @@
           <a:bodyPr/>
           <a:lstStyle/>
           <a:p>
-            <a:endParaRPr lang="cs-CZ" dirty="0"/>
+            <a:r>
+              <a:rPr lang="cs-CZ" dirty="0"/>
+              <a:t>V OOP jsou v podstatě také funkcemi, které mohou pracovat s daty </a:t>
+            </a:r>
+            <a:r>
+              <a:rPr lang="cs-CZ" dirty="0">
+                <a:hlinkClick r:id="rId3" tooltip="Třída (programování)"/>
+              </a:rPr>
+              <a:t>třídy</a:t>
+            </a:r>
+            <a:r>
+              <a:rPr lang="cs-CZ" dirty="0"/>
+              <a:t> nebo </a:t>
+            </a:r>
+            <a:r>
+              <a:rPr lang="cs-CZ" dirty="0">
+                <a:hlinkClick r:id="rId4" tooltip="Objekt (programování)"/>
+              </a:rPr>
+              <a:t>objektu</a:t>
+            </a:r>
+            <a:r>
+              <a:rPr lang="cs-CZ" dirty="0"/>
+              <a:t>. Z vnějšku jsou data neviditelná – nepřístupná, jelikož jsou zapouzdřena v objektu a nelze je volat přímo. Metody určené k tomu, aby s daty objektu mohly pracovat i jiné objekty, nazýváme </a:t>
+            </a:r>
+            <a:r>
+              <a:rPr lang="cs-CZ" dirty="0">
+                <a:hlinkClick r:id="rId5" tooltip="Objektově orientované programování"/>
+              </a:rPr>
+              <a:t>rozhraním</a:t>
+            </a:r>
+            <a:r>
+              <a:rPr lang="cs-CZ" dirty="0"/>
+              <a:t> objektu.</a:t>
+            </a:r>
+            <a:endParaRPr lang="cs-CZ" b="1" dirty="0"/>
+          </a:p>
+          <a:p>
+            <a:endParaRPr lang="cs-CZ" b="1" dirty="0"/>
+          </a:p>
+          <a:p>
+            <a:r>
+              <a:rPr lang="cs-CZ" b="0" dirty="0"/>
+              <a:t>V programování založeném na třídách jsou metody definovány v rámci třídy a objekty jsou instancemi dané třídy. Jednou z nejdůležitějších možností, kterou metoda poskytuje, je přepisování metod - stejný název (např. area) lze použít pro více různých druhů tříd. To umožňuje odesílajícím objektům vyvolávat chování a delegovat implementaci těchto chování na přijímající objekt. Metoda v programování v jazyce Java nastavuje chování objektu třídy. Například objekt může poslat jinému objektu zprávu o ploše a vyvolá se příslušný vzorec bez ohledu na to, zda je přijímající objekt obdélník, kruh, trojúhelník </a:t>
+            </a:r>
+            <a:r>
+              <a:rPr lang="cs-CZ" b="0" dirty="0" err="1"/>
+              <a:t>atd.Metody</a:t>
+            </a:r>
+            <a:r>
+              <a:rPr lang="cs-CZ" b="0" dirty="0"/>
+              <a:t> také poskytují rozhraní, které jiné třídy používají k přístupu k vlastnostem objektu a k jejich úpravě; tomu se říká zapouzdření. Zapouzdření a přepisování jsou dva základní rozlišovací znaky mezi metodami a voláním procedur.</a:t>
+            </a:r>
           </a:p>
         </p:txBody>
       </p:sp>
@@ -759,7 +681,7 @@
           <a:p>
             <a:fld id="{F5B04A2B-021E-414E-AE15-7211829DC160}" type="slidenum">
               <a:rPr lang="cs-CZ" smtClean="0"/>
-              <a:t>3</a:t>
+              <a:t>2</a:t>
             </a:fld>
             <a:endParaRPr lang="cs-CZ"/>
           </a:p>
@@ -768,7 +690,7 @@
     </p:spTree>
     <p:extLst>
       <p:ext uri="{BB962C8B-B14F-4D97-AF65-F5344CB8AC3E}">
-        <p14:creationId xmlns:p14="http://schemas.microsoft.com/office/powerpoint/2010/main" val="667979272"/>
+        <p14:creationId xmlns:p14="http://schemas.microsoft.com/office/powerpoint/2010/main" val="3066249750"/>
       </p:ext>
     </p:extLst>
   </p:cSld>
@@ -822,10 +744,255 @@
           <a:bodyPr/>
           <a:lstStyle/>
           <a:p>
-            <a:r>
-              <a:rPr lang="cs-CZ" dirty="0"/>
-              <a:t>Popsat kód</a:t>
-            </a:r>
+            <a:pPr>
+              <a:buFont typeface="+mj-lt"/>
+              <a:buNone/>
+            </a:pPr>
+            <a:r>
+              <a:rPr lang="cs-CZ" dirty="0" err="1"/>
+              <a:t>using</a:t>
+            </a:r>
+            <a:r>
+              <a:rPr lang="cs-CZ" dirty="0"/>
+              <a:t> </a:t>
+            </a:r>
+            <a:r>
+              <a:rPr lang="cs-CZ" dirty="0" err="1"/>
+              <a:t>System</a:t>
+            </a:r>
+            <a:r>
+              <a:rPr lang="cs-CZ" dirty="0"/>
+              <a:t>;     </a:t>
+            </a:r>
+          </a:p>
+          <a:p>
+            <a:pPr>
+              <a:buFont typeface="+mj-lt"/>
+              <a:buNone/>
+            </a:pPr>
+            <a:r>
+              <a:rPr lang="cs-CZ" dirty="0" err="1"/>
+              <a:t>class</a:t>
+            </a:r>
+            <a:r>
+              <a:rPr lang="cs-CZ" dirty="0"/>
+              <a:t> Program  </a:t>
+            </a:r>
+          </a:p>
+          <a:p>
+            <a:pPr>
+              <a:buFont typeface="+mj-lt"/>
+              <a:buNone/>
+            </a:pPr>
+            <a:r>
+              <a:rPr lang="cs-CZ" dirty="0"/>
+              <a:t>{  </a:t>
+            </a:r>
+          </a:p>
+          <a:p>
+            <a:pPr>
+              <a:buFont typeface="+mj-lt"/>
+              <a:buNone/>
+            </a:pPr>
+            <a:r>
+              <a:rPr lang="cs-CZ" dirty="0"/>
+              <a:t>    public static </a:t>
+            </a:r>
+            <a:r>
+              <a:rPr lang="cs-CZ" dirty="0" err="1"/>
+              <a:t>void</a:t>
+            </a:r>
+            <a:r>
+              <a:rPr lang="cs-CZ" dirty="0"/>
+              <a:t> </a:t>
+            </a:r>
+            <a:r>
+              <a:rPr lang="cs-CZ" dirty="0" err="1"/>
+              <a:t>Main</a:t>
+            </a:r>
+            <a:r>
+              <a:rPr lang="cs-CZ" dirty="0"/>
+              <a:t>(</a:t>
+            </a:r>
+            <a:r>
+              <a:rPr lang="cs-CZ" dirty="0" err="1"/>
+              <a:t>string</a:t>
+            </a:r>
+            <a:r>
+              <a:rPr lang="cs-CZ" dirty="0"/>
+              <a:t>[] </a:t>
+            </a:r>
+            <a:r>
+              <a:rPr lang="cs-CZ" dirty="0" err="1"/>
+              <a:t>args</a:t>
+            </a:r>
+            <a:r>
+              <a:rPr lang="cs-CZ" dirty="0"/>
+              <a:t>)  </a:t>
+            </a:r>
+          </a:p>
+          <a:p>
+            <a:pPr>
+              <a:buFont typeface="+mj-lt"/>
+              <a:buNone/>
+            </a:pPr>
+            <a:r>
+              <a:rPr lang="cs-CZ" dirty="0"/>
+              <a:t>    {  </a:t>
+            </a:r>
+          </a:p>
+          <a:p>
+            <a:pPr>
+              <a:buFont typeface="+mj-lt"/>
+              <a:buNone/>
+            </a:pPr>
+            <a:r>
+              <a:rPr lang="cs-CZ" dirty="0"/>
+              <a:t>        var p = </a:t>
+            </a:r>
+            <a:r>
+              <a:rPr lang="cs-CZ" dirty="0" err="1"/>
+              <a:t>new</a:t>
+            </a:r>
+            <a:r>
+              <a:rPr lang="cs-CZ" dirty="0"/>
+              <a:t> Program();  </a:t>
+            </a:r>
+          </a:p>
+          <a:p>
+            <a:pPr>
+              <a:buFont typeface="+mj-lt"/>
+              <a:buNone/>
+            </a:pPr>
+            <a:r>
+              <a:rPr lang="cs-CZ" dirty="0"/>
+              <a:t>        </a:t>
+            </a:r>
+            <a:r>
+              <a:rPr lang="cs-CZ" dirty="0" err="1"/>
+              <a:t>p.Calculation</a:t>
+            </a:r>
+            <a:r>
+              <a:rPr lang="cs-CZ" dirty="0"/>
+              <a:t>();       </a:t>
+            </a:r>
+          </a:p>
+          <a:p>
+            <a:pPr>
+              <a:buFont typeface="+mj-lt"/>
+              <a:buNone/>
+            </a:pPr>
+            <a:r>
+              <a:rPr lang="cs-CZ" dirty="0"/>
+              <a:t>	}</a:t>
+            </a:r>
+          </a:p>
+          <a:p>
+            <a:pPr>
+              <a:buFont typeface="+mj-lt"/>
+              <a:buNone/>
+            </a:pPr>
+            <a:r>
+              <a:rPr lang="cs-CZ" dirty="0"/>
+              <a:t>    public </a:t>
+            </a:r>
+            <a:r>
+              <a:rPr lang="cs-CZ" dirty="0" err="1"/>
+              <a:t>void</a:t>
+            </a:r>
+            <a:r>
+              <a:rPr lang="cs-CZ" dirty="0"/>
+              <a:t> </a:t>
+            </a:r>
+            <a:r>
+              <a:rPr lang="cs-CZ" dirty="0" err="1"/>
+              <a:t>Calculation</a:t>
+            </a:r>
+            <a:r>
+              <a:rPr lang="cs-CZ" dirty="0"/>
+              <a:t>()  </a:t>
+            </a:r>
+          </a:p>
+          <a:p>
+            <a:pPr>
+              <a:buFont typeface="+mj-lt"/>
+              <a:buNone/>
+            </a:pPr>
+            <a:r>
+              <a:rPr lang="cs-CZ" dirty="0"/>
+              <a:t>    {  </a:t>
+            </a:r>
+          </a:p>
+          <a:p>
+            <a:pPr>
+              <a:buFont typeface="+mj-lt"/>
+              <a:buNone/>
+            </a:pPr>
+            <a:r>
+              <a:rPr lang="cs-CZ" dirty="0"/>
+              <a:t>        </a:t>
+            </a:r>
+            <a:r>
+              <a:rPr lang="cs-CZ" dirty="0" err="1"/>
+              <a:t>Console.WriteLine</a:t>
+            </a:r>
+            <a:r>
+              <a:rPr lang="cs-CZ" dirty="0"/>
+              <a:t>("</a:t>
+            </a:r>
+            <a:r>
+              <a:rPr lang="cs-CZ" dirty="0" err="1"/>
+              <a:t>Simple</a:t>
+            </a:r>
+            <a:r>
+              <a:rPr lang="cs-CZ" dirty="0"/>
+              <a:t> </a:t>
+            </a:r>
+            <a:r>
+              <a:rPr lang="cs-CZ" dirty="0" err="1"/>
+              <a:t>Method</a:t>
+            </a:r>
+            <a:r>
+              <a:rPr lang="cs-CZ" dirty="0"/>
+              <a:t>.");  </a:t>
+            </a:r>
+          </a:p>
+          <a:p>
+            <a:pPr>
+              <a:buFont typeface="+mj-lt"/>
+              <a:buNone/>
+            </a:pPr>
+            <a:r>
+              <a:rPr lang="cs-CZ" dirty="0"/>
+              <a:t>    }  </a:t>
+            </a:r>
+          </a:p>
+          <a:p>
+            <a:pPr>
+              <a:buFont typeface="+mj-lt"/>
+              <a:buNone/>
+            </a:pPr>
+            <a:r>
+              <a:rPr lang="cs-CZ" dirty="0"/>
+              <a:t>   </a:t>
+            </a:r>
+          </a:p>
+          <a:p>
+            <a:pPr>
+              <a:buFont typeface="+mj-lt"/>
+              <a:buNone/>
+            </a:pPr>
+            <a:r>
+              <a:rPr lang="cs-CZ" dirty="0"/>
+              <a:t>}  </a:t>
+            </a:r>
+          </a:p>
+          <a:p>
+            <a:pPr>
+              <a:buFont typeface="+mj-lt"/>
+              <a:buNone/>
+            </a:pPr>
+            <a:endParaRPr lang="cs-CZ" dirty="0"/>
           </a:p>
         </p:txBody>
       </p:sp>
@@ -846,7 +1013,7 @@
           <a:p>
             <a:fld id="{F5B04A2B-021E-414E-AE15-7211829DC160}" type="slidenum">
               <a:rPr lang="cs-CZ" smtClean="0"/>
-              <a:t>6</a:t>
+              <a:t>3</a:t>
             </a:fld>
             <a:endParaRPr lang="cs-CZ"/>
           </a:p>
@@ -855,7 +1022,7 @@
     </p:spTree>
     <p:extLst>
       <p:ext uri="{BB962C8B-B14F-4D97-AF65-F5344CB8AC3E}">
-        <p14:creationId xmlns:p14="http://schemas.microsoft.com/office/powerpoint/2010/main" val="3784115185"/>
+        <p14:creationId xmlns:p14="http://schemas.microsoft.com/office/powerpoint/2010/main" val="667979272"/>
       </p:ext>
     </p:extLst>
   </p:cSld>
@@ -910,49 +1077,404 @@
           <a:lstStyle/>
           <a:p>
             <a:r>
-              <a:rPr lang="cs-CZ" dirty="0"/>
-              <a:t>Jedná se o parametry, které ukazují na umístění adresy proměnných, nikoli na jejich skutečné hodnoty. Deklarují se pomocí klíčového slova '</a:t>
-            </a:r>
-            <a:r>
-              <a:rPr lang="cs-CZ" dirty="0" err="1"/>
-              <a:t>ref</a:t>
-            </a:r>
-            <a:r>
-              <a:rPr lang="cs-CZ" dirty="0"/>
-              <a:t>'. Je třeba poznamenat, že klíčové slovo </a:t>
-            </a:r>
-            <a:r>
-              <a:rPr lang="cs-CZ" dirty="0" err="1"/>
-              <a:t>ref</a:t>
-            </a:r>
-            <a:r>
-              <a:rPr lang="cs-CZ" dirty="0"/>
-              <a:t> musí být uvedeno jak při deklaraci funkce, tak při její implementaci, jako v následujícím úryvku kódu. Ve výše uvedeném úryvku jsou hodnoty a </a:t>
-            </a:r>
-            <a:r>
-              <a:rPr lang="cs-CZ" dirty="0" err="1"/>
-              <a:t>a</a:t>
-            </a:r>
-            <a:r>
-              <a:rPr lang="cs-CZ" dirty="0"/>
-              <a:t> b v hlavní metodě 20 a 50, poté voláme metodu výpočtu a hodnoty parametrů předáváme jako referenční typ. Tyto hodnoty přejdou do metody Výpočet spolu s referenčními parametry a hodnoty se změní na 80 a 20. Zde proměnné a </a:t>
-            </a:r>
-            <a:r>
-              <a:rPr lang="cs-CZ" dirty="0" err="1"/>
-              <a:t>a</a:t>
-            </a:r>
-            <a:r>
-              <a:rPr lang="cs-CZ" dirty="0"/>
-              <a:t> b &amp; x a y ukazují na stejná adresní místa. Hodnoty se tedy změní a výsledkem bude 100, protože nyní se hodnoty a </a:t>
-            </a:r>
-            <a:r>
-              <a:rPr lang="cs-CZ" dirty="0" err="1"/>
-              <a:t>a</a:t>
-            </a:r>
-            <a:r>
-              <a:rPr lang="cs-CZ" dirty="0"/>
-              <a:t> b změní na 80 a 20.</a:t>
-            </a:r>
+              <a:rPr lang="en-US" sz="1800" dirty="0">
+                <a:solidFill>
+                  <a:srgbClr val="0000FF"/>
+                </a:solidFill>
+                <a:latin typeface="Consolas" panose="020B0609020204030204" pitchFamily="49" charset="0"/>
+              </a:rPr>
+              <a:t>static</a:t>
+            </a:r>
+            <a:r>
+              <a:rPr lang="en-US" sz="1800" dirty="0">
+                <a:solidFill>
+                  <a:srgbClr val="000000"/>
+                </a:solidFill>
+                <a:latin typeface="Consolas" panose="020B0609020204030204" pitchFamily="49" charset="0"/>
+              </a:rPr>
+              <a:t> </a:t>
+            </a:r>
+            <a:r>
+              <a:rPr lang="en-US" sz="1800" dirty="0">
+                <a:solidFill>
+                  <a:srgbClr val="0000FF"/>
+                </a:solidFill>
+                <a:latin typeface="Consolas" panose="020B0609020204030204" pitchFamily="49" charset="0"/>
+              </a:rPr>
+              <a:t>void</a:t>
+            </a:r>
+            <a:r>
+              <a:rPr lang="en-US" sz="1800" dirty="0">
+                <a:solidFill>
+                  <a:srgbClr val="000000"/>
+                </a:solidFill>
+                <a:latin typeface="Consolas" panose="020B0609020204030204" pitchFamily="49" charset="0"/>
+              </a:rPr>
+              <a:t> Main(</a:t>
+            </a:r>
+            <a:r>
+              <a:rPr lang="en-US" sz="1800" dirty="0">
+                <a:solidFill>
+                  <a:srgbClr val="0000FF"/>
+                </a:solidFill>
+                <a:latin typeface="Consolas" panose="020B0609020204030204" pitchFamily="49" charset="0"/>
+              </a:rPr>
+              <a:t>string</a:t>
+            </a:r>
+            <a:r>
+              <a:rPr lang="en-US" sz="1800" dirty="0">
+                <a:solidFill>
+                  <a:srgbClr val="000000"/>
+                </a:solidFill>
+                <a:latin typeface="Consolas" panose="020B0609020204030204" pitchFamily="49" charset="0"/>
+              </a:rPr>
+              <a:t>[] </a:t>
+            </a:r>
+            <a:r>
+              <a:rPr lang="en-US" sz="1800" dirty="0" err="1">
+                <a:solidFill>
+                  <a:srgbClr val="000000"/>
+                </a:solidFill>
+                <a:latin typeface="Consolas" panose="020B0609020204030204" pitchFamily="49" charset="0"/>
+              </a:rPr>
+              <a:t>args</a:t>
+            </a:r>
+            <a:r>
+              <a:rPr lang="en-US" sz="1800" dirty="0">
+                <a:solidFill>
+                  <a:srgbClr val="000000"/>
+                </a:solidFill>
+                <a:latin typeface="Consolas" panose="020B0609020204030204" pitchFamily="49" charset="0"/>
+              </a:rPr>
+              <a:t>)</a:t>
+            </a:r>
+          </a:p>
+          <a:p>
+            <a:r>
+              <a:rPr lang="cs-CZ" sz="1800" dirty="0">
+                <a:solidFill>
+                  <a:srgbClr val="000000"/>
+                </a:solidFill>
+                <a:latin typeface="Consolas" panose="020B0609020204030204" pitchFamily="49" charset="0"/>
+              </a:rPr>
+              <a:t>        {</a:t>
+            </a:r>
+          </a:p>
+          <a:p>
+            <a:r>
+              <a:rPr lang="cs-CZ" sz="1800" dirty="0">
+                <a:solidFill>
+                  <a:srgbClr val="000000"/>
+                </a:solidFill>
+                <a:latin typeface="Consolas" panose="020B0609020204030204" pitchFamily="49" charset="0"/>
+              </a:rPr>
+              <a:t>            </a:t>
+            </a:r>
+            <a:r>
+              <a:rPr lang="cs-CZ" sz="1800" dirty="0" err="1">
+                <a:solidFill>
+                  <a:srgbClr val="000000"/>
+                </a:solidFill>
+                <a:latin typeface="Consolas" panose="020B0609020204030204" pitchFamily="49" charset="0"/>
+              </a:rPr>
+              <a:t>HodKostkou</a:t>
+            </a:r>
+            <a:r>
+              <a:rPr lang="cs-CZ" sz="1800" dirty="0">
+                <a:solidFill>
+                  <a:srgbClr val="000000"/>
+                </a:solidFill>
+                <a:latin typeface="Consolas" panose="020B0609020204030204" pitchFamily="49" charset="0"/>
+              </a:rPr>
+              <a:t>();</a:t>
+            </a:r>
+          </a:p>
+          <a:p>
+            <a:r>
+              <a:rPr lang="cs-CZ" sz="1800" dirty="0">
+                <a:solidFill>
+                  <a:srgbClr val="000000"/>
+                </a:solidFill>
+                <a:latin typeface="Consolas" panose="020B0609020204030204" pitchFamily="49" charset="0"/>
+              </a:rPr>
+              <a:t>            </a:t>
+            </a:r>
+            <a:r>
+              <a:rPr lang="cs-CZ" sz="1800" dirty="0" err="1">
+                <a:solidFill>
+                  <a:srgbClr val="000000"/>
+                </a:solidFill>
+                <a:latin typeface="Consolas" panose="020B0609020204030204" pitchFamily="49" charset="0"/>
+              </a:rPr>
+              <a:t>Console.ReadKey</a:t>
+            </a:r>
+            <a:r>
+              <a:rPr lang="cs-CZ" sz="1800" dirty="0">
+                <a:solidFill>
+                  <a:srgbClr val="000000"/>
+                </a:solidFill>
+                <a:latin typeface="Consolas" panose="020B0609020204030204" pitchFamily="49" charset="0"/>
+              </a:rPr>
+              <a:t>();</a:t>
+            </a:r>
+          </a:p>
+          <a:p>
+            <a:r>
+              <a:rPr lang="cs-CZ" sz="1800" dirty="0">
+                <a:solidFill>
+                  <a:srgbClr val="000000"/>
+                </a:solidFill>
+                <a:latin typeface="Consolas" panose="020B0609020204030204" pitchFamily="49" charset="0"/>
+              </a:rPr>
+              <a:t>        }</a:t>
+            </a:r>
+          </a:p>
+          <a:p>
+            <a:r>
+              <a:rPr lang="cs-CZ" sz="1800" dirty="0">
+                <a:solidFill>
+                  <a:srgbClr val="000000"/>
+                </a:solidFill>
+                <a:latin typeface="Consolas" panose="020B0609020204030204" pitchFamily="49" charset="0"/>
+              </a:rPr>
+              <a:t>        </a:t>
+            </a:r>
+            <a:r>
+              <a:rPr lang="cs-CZ" sz="1800" dirty="0">
+                <a:solidFill>
+                  <a:srgbClr val="0000FF"/>
+                </a:solidFill>
+                <a:latin typeface="Consolas" panose="020B0609020204030204" pitchFamily="49" charset="0"/>
+              </a:rPr>
+              <a:t>public</a:t>
+            </a:r>
+            <a:r>
+              <a:rPr lang="cs-CZ" sz="1800" dirty="0">
+                <a:solidFill>
+                  <a:srgbClr val="000000"/>
+                </a:solidFill>
+                <a:latin typeface="Consolas" panose="020B0609020204030204" pitchFamily="49" charset="0"/>
+              </a:rPr>
+              <a:t> </a:t>
+            </a:r>
+            <a:r>
+              <a:rPr lang="cs-CZ" sz="1800" dirty="0">
+                <a:solidFill>
+                  <a:srgbClr val="0000FF"/>
+                </a:solidFill>
+                <a:latin typeface="Consolas" panose="020B0609020204030204" pitchFamily="49" charset="0"/>
+              </a:rPr>
+              <a:t>static</a:t>
+            </a:r>
+            <a:r>
+              <a:rPr lang="cs-CZ" sz="1800" dirty="0">
+                <a:solidFill>
+                  <a:srgbClr val="000000"/>
+                </a:solidFill>
+                <a:latin typeface="Consolas" panose="020B0609020204030204" pitchFamily="49" charset="0"/>
+              </a:rPr>
+              <a:t> </a:t>
+            </a:r>
+            <a:r>
+              <a:rPr lang="cs-CZ" sz="1800" dirty="0" err="1">
+                <a:solidFill>
+                  <a:srgbClr val="0000FF"/>
+                </a:solidFill>
+                <a:latin typeface="Consolas" panose="020B0609020204030204" pitchFamily="49" charset="0"/>
+              </a:rPr>
+              <a:t>void</a:t>
+            </a:r>
+            <a:r>
+              <a:rPr lang="cs-CZ" sz="1800" dirty="0">
+                <a:solidFill>
+                  <a:srgbClr val="000000"/>
+                </a:solidFill>
+                <a:latin typeface="Consolas" panose="020B0609020204030204" pitchFamily="49" charset="0"/>
+              </a:rPr>
+              <a:t> </a:t>
+            </a:r>
+            <a:r>
+              <a:rPr lang="cs-CZ" sz="1800" dirty="0" err="1">
+                <a:solidFill>
+                  <a:srgbClr val="000000"/>
+                </a:solidFill>
+                <a:latin typeface="Consolas" panose="020B0609020204030204" pitchFamily="49" charset="0"/>
+              </a:rPr>
+              <a:t>HodKostkou</a:t>
+            </a:r>
+            <a:r>
+              <a:rPr lang="cs-CZ" sz="1800" dirty="0">
+                <a:solidFill>
+                  <a:srgbClr val="000000"/>
+                </a:solidFill>
+                <a:latin typeface="Consolas" panose="020B0609020204030204" pitchFamily="49" charset="0"/>
+              </a:rPr>
+              <a:t>()</a:t>
+            </a:r>
+          </a:p>
+          <a:p>
+            <a:r>
+              <a:rPr lang="cs-CZ" sz="1800" dirty="0">
+                <a:solidFill>
+                  <a:srgbClr val="000000"/>
+                </a:solidFill>
+                <a:latin typeface="Consolas" panose="020B0609020204030204" pitchFamily="49" charset="0"/>
+              </a:rPr>
+              <a:t>        {</a:t>
+            </a:r>
+          </a:p>
+          <a:p>
+            <a:r>
+              <a:rPr lang="cs-CZ" sz="1800" dirty="0">
+                <a:solidFill>
+                  <a:srgbClr val="000000"/>
+                </a:solidFill>
+                <a:latin typeface="Consolas" panose="020B0609020204030204" pitchFamily="49" charset="0"/>
+              </a:rPr>
+              <a:t>            </a:t>
+            </a:r>
+            <a:r>
+              <a:rPr lang="cs-CZ" sz="1800" dirty="0" err="1">
+                <a:solidFill>
+                  <a:srgbClr val="000000"/>
+                </a:solidFill>
+                <a:latin typeface="Consolas" panose="020B0609020204030204" pitchFamily="49" charset="0"/>
+              </a:rPr>
+              <a:t>Random</a:t>
+            </a:r>
+            <a:r>
+              <a:rPr lang="cs-CZ" sz="1800" dirty="0">
+                <a:solidFill>
+                  <a:srgbClr val="000000"/>
+                </a:solidFill>
+                <a:latin typeface="Consolas" panose="020B0609020204030204" pitchFamily="49" charset="0"/>
+              </a:rPr>
+              <a:t> </a:t>
+            </a:r>
+            <a:r>
+              <a:rPr lang="cs-CZ" sz="1800" dirty="0" err="1">
+                <a:solidFill>
+                  <a:srgbClr val="000000"/>
+                </a:solidFill>
+                <a:latin typeface="Consolas" panose="020B0609020204030204" pitchFamily="49" charset="0"/>
+              </a:rPr>
+              <a:t>dice</a:t>
+            </a:r>
+            <a:r>
+              <a:rPr lang="cs-CZ" sz="1800" dirty="0">
+                <a:solidFill>
+                  <a:srgbClr val="000000"/>
+                </a:solidFill>
+                <a:latin typeface="Consolas" panose="020B0609020204030204" pitchFamily="49" charset="0"/>
+              </a:rPr>
+              <a:t> = </a:t>
+            </a:r>
+            <a:r>
+              <a:rPr lang="cs-CZ" sz="1800" dirty="0" err="1">
+                <a:solidFill>
+                  <a:srgbClr val="0000FF"/>
+                </a:solidFill>
+                <a:latin typeface="Consolas" panose="020B0609020204030204" pitchFamily="49" charset="0"/>
+              </a:rPr>
+              <a:t>new</a:t>
+            </a:r>
+            <a:r>
+              <a:rPr lang="cs-CZ" sz="1800" dirty="0">
+                <a:solidFill>
+                  <a:srgbClr val="000000"/>
+                </a:solidFill>
+                <a:latin typeface="Consolas" panose="020B0609020204030204" pitchFamily="49" charset="0"/>
+              </a:rPr>
+              <a:t> </a:t>
+            </a:r>
+            <a:r>
+              <a:rPr lang="cs-CZ" sz="1800" dirty="0" err="1">
+                <a:solidFill>
+                  <a:srgbClr val="000000"/>
+                </a:solidFill>
+                <a:latin typeface="Consolas" panose="020B0609020204030204" pitchFamily="49" charset="0"/>
+              </a:rPr>
+              <a:t>Random</a:t>
+            </a:r>
+            <a:r>
+              <a:rPr lang="cs-CZ" sz="1800" dirty="0">
+                <a:solidFill>
+                  <a:srgbClr val="000000"/>
+                </a:solidFill>
+                <a:latin typeface="Consolas" panose="020B0609020204030204" pitchFamily="49" charset="0"/>
+              </a:rPr>
+              <a:t>();</a:t>
+            </a:r>
+          </a:p>
+          <a:p>
+            <a:r>
+              <a:rPr lang="nn-NO" sz="1800" dirty="0">
+                <a:solidFill>
+                  <a:srgbClr val="000000"/>
+                </a:solidFill>
+                <a:latin typeface="Consolas" panose="020B0609020204030204" pitchFamily="49" charset="0"/>
+              </a:rPr>
+              <a:t>            </a:t>
+            </a:r>
+            <a:r>
+              <a:rPr lang="nn-NO" sz="1800" dirty="0">
+                <a:solidFill>
+                  <a:srgbClr val="0000FF"/>
+                </a:solidFill>
+                <a:latin typeface="Consolas" panose="020B0609020204030204" pitchFamily="49" charset="0"/>
+              </a:rPr>
+              <a:t>int</a:t>
+            </a:r>
+            <a:r>
+              <a:rPr lang="nn-NO" sz="1800" dirty="0">
+                <a:solidFill>
+                  <a:srgbClr val="000000"/>
+                </a:solidFill>
+                <a:latin typeface="Consolas" panose="020B0609020204030204" pitchFamily="49" charset="0"/>
+              </a:rPr>
+              <a:t> nr = dice.Next(1, 7);</a:t>
+            </a:r>
+          </a:p>
+          <a:p>
+            <a:r>
+              <a:rPr lang="nn-NO" sz="1800" dirty="0">
+                <a:solidFill>
+                  <a:srgbClr val="000000"/>
+                </a:solidFill>
+                <a:latin typeface="Consolas" panose="020B0609020204030204" pitchFamily="49" charset="0"/>
+              </a:rPr>
+              <a:t>            Console.WriteLine(</a:t>
+            </a:r>
+            <a:r>
+              <a:rPr lang="nn-NO" sz="1800" dirty="0">
+                <a:solidFill>
+                  <a:srgbClr val="A31515"/>
+                </a:solidFill>
+                <a:latin typeface="Consolas" panose="020B0609020204030204" pitchFamily="49" charset="0"/>
+              </a:rPr>
+              <a:t>"hodil jsi: "</a:t>
+            </a:r>
+            <a:r>
+              <a:rPr lang="nn-NO" sz="1800" dirty="0">
+                <a:solidFill>
+                  <a:srgbClr val="000000"/>
+                </a:solidFill>
+                <a:latin typeface="Consolas" panose="020B0609020204030204" pitchFamily="49" charset="0"/>
+              </a:rPr>
+              <a:t> + nr);</a:t>
+            </a:r>
+          </a:p>
+          <a:p>
+            <a:r>
+              <a:rPr lang="cs-CZ" sz="1800" dirty="0">
+                <a:solidFill>
+                  <a:srgbClr val="000000"/>
+                </a:solidFill>
+                <a:latin typeface="Consolas" panose="020B0609020204030204" pitchFamily="49" charset="0"/>
+              </a:rPr>
+              <a:t>        }</a:t>
+            </a:r>
+            <a:endParaRPr lang="cs-CZ" dirty="0"/>
           </a:p>
         </p:txBody>
       </p:sp>
@@ -973,7 +1495,7 @@
           <a:p>
             <a:fld id="{F5B04A2B-021E-414E-AE15-7211829DC160}" type="slidenum">
               <a:rPr lang="cs-CZ" smtClean="0"/>
-              <a:t>7</a:t>
+              <a:t>4</a:t>
             </a:fld>
             <a:endParaRPr lang="cs-CZ"/>
           </a:p>
@@ -982,7 +1504,7 @@
     </p:spTree>
     <p:extLst>
       <p:ext uri="{BB962C8B-B14F-4D97-AF65-F5344CB8AC3E}">
-        <p14:creationId xmlns:p14="http://schemas.microsoft.com/office/powerpoint/2010/main" val="1481850222"/>
+        <p14:creationId xmlns:p14="http://schemas.microsoft.com/office/powerpoint/2010/main" val="1745082461"/>
       </p:ext>
     </p:extLst>
   </p:cSld>
@@ -1036,6 +1558,1699 @@
           <a:bodyPr/>
           <a:lstStyle/>
           <a:p>
+            <a:pPr>
+              <a:buFont typeface="+mj-lt"/>
+              <a:buNone/>
+            </a:pPr>
+            <a:r>
+              <a:rPr lang="cs-CZ" dirty="0" err="1"/>
+              <a:t>using</a:t>
+            </a:r>
+            <a:r>
+              <a:rPr lang="cs-CZ" dirty="0"/>
+              <a:t> </a:t>
+            </a:r>
+            <a:r>
+              <a:rPr lang="cs-CZ" dirty="0" err="1"/>
+              <a:t>System</a:t>
+            </a:r>
+            <a:r>
+              <a:rPr lang="cs-CZ" dirty="0"/>
+              <a:t>;  </a:t>
+            </a:r>
+          </a:p>
+          <a:p>
+            <a:pPr>
+              <a:buFont typeface="+mj-lt"/>
+              <a:buNone/>
+            </a:pPr>
+            <a:r>
+              <a:rPr lang="cs-CZ" dirty="0" err="1"/>
+              <a:t>class</a:t>
+            </a:r>
+            <a:r>
+              <a:rPr lang="cs-CZ" dirty="0"/>
+              <a:t> Program  </a:t>
+            </a:r>
+          </a:p>
+          <a:p>
+            <a:pPr>
+              <a:buFont typeface="+mj-lt"/>
+              <a:buNone/>
+            </a:pPr>
+            <a:r>
+              <a:rPr lang="cs-CZ" dirty="0"/>
+              <a:t>{  </a:t>
+            </a:r>
+          </a:p>
+          <a:p>
+            <a:pPr>
+              <a:buFont typeface="+mj-lt"/>
+              <a:buNone/>
+            </a:pPr>
+            <a:r>
+              <a:rPr lang="cs-CZ" dirty="0"/>
+              <a:t>    public static </a:t>
+            </a:r>
+            <a:r>
+              <a:rPr lang="cs-CZ" dirty="0" err="1"/>
+              <a:t>void</a:t>
+            </a:r>
+            <a:r>
+              <a:rPr lang="cs-CZ" dirty="0"/>
+              <a:t> </a:t>
+            </a:r>
+            <a:r>
+              <a:rPr lang="cs-CZ" dirty="0" err="1"/>
+              <a:t>Main</a:t>
+            </a:r>
+            <a:r>
+              <a:rPr lang="cs-CZ" dirty="0"/>
+              <a:t>(</a:t>
+            </a:r>
+            <a:r>
+              <a:rPr lang="cs-CZ" dirty="0" err="1"/>
+              <a:t>string</a:t>
+            </a:r>
+            <a:r>
+              <a:rPr lang="cs-CZ" dirty="0"/>
+              <a:t>[] </a:t>
+            </a:r>
+            <a:r>
+              <a:rPr lang="cs-CZ" dirty="0" err="1"/>
+              <a:t>args</a:t>
+            </a:r>
+            <a:r>
+              <a:rPr lang="cs-CZ" dirty="0"/>
+              <a:t>)  </a:t>
+            </a:r>
+          </a:p>
+          <a:p>
+            <a:pPr>
+              <a:buFont typeface="+mj-lt"/>
+              <a:buNone/>
+            </a:pPr>
+            <a:r>
+              <a:rPr lang="cs-CZ" dirty="0"/>
+              <a:t>    {  </a:t>
+            </a:r>
+          </a:p>
+          <a:p>
+            <a:pPr>
+              <a:buFont typeface="+mj-lt"/>
+              <a:buNone/>
+            </a:pPr>
+            <a:r>
+              <a:rPr lang="cs-CZ" dirty="0"/>
+              <a:t>        var </a:t>
+            </a:r>
+            <a:r>
+              <a:rPr lang="cs-CZ" dirty="0" err="1"/>
+              <a:t>result</a:t>
+            </a:r>
+            <a:r>
+              <a:rPr lang="cs-CZ" dirty="0"/>
+              <a:t> = </a:t>
+            </a:r>
+            <a:r>
+              <a:rPr lang="cs-CZ" dirty="0" err="1"/>
+              <a:t>Calculation</a:t>
+            </a:r>
+            <a:r>
+              <a:rPr lang="cs-CZ" dirty="0"/>
+              <a:t>(20, 50);  </a:t>
+            </a:r>
+          </a:p>
+          <a:p>
+            <a:pPr>
+              <a:buFont typeface="+mj-lt"/>
+              <a:buNone/>
+            </a:pPr>
+            <a:r>
+              <a:rPr lang="cs-CZ" dirty="0"/>
+              <a:t>        </a:t>
+            </a:r>
+            <a:r>
+              <a:rPr lang="cs-CZ" dirty="0" err="1"/>
+              <a:t>Console.WriteLine</a:t>
+            </a:r>
+            <a:r>
+              <a:rPr lang="cs-CZ" dirty="0"/>
+              <a:t>(</a:t>
+            </a:r>
+            <a:r>
+              <a:rPr lang="cs-CZ" dirty="0" err="1"/>
+              <a:t>result</a:t>
+            </a:r>
+            <a:r>
+              <a:rPr lang="cs-CZ" dirty="0"/>
+              <a:t>);  </a:t>
+            </a:r>
+          </a:p>
+          <a:p>
+            <a:pPr>
+              <a:buFont typeface="+mj-lt"/>
+              <a:buNone/>
+            </a:pPr>
+            <a:r>
+              <a:rPr lang="cs-CZ" dirty="0"/>
+              <a:t>    }  </a:t>
+            </a:r>
+          </a:p>
+          <a:p>
+            <a:pPr>
+              <a:buFont typeface="+mj-lt"/>
+              <a:buNone/>
+            </a:pPr>
+            <a:r>
+              <a:rPr lang="cs-CZ" dirty="0"/>
+              <a:t>    public static </a:t>
+            </a:r>
+            <a:r>
+              <a:rPr lang="cs-CZ" dirty="0" err="1"/>
+              <a:t>int</a:t>
+            </a:r>
+            <a:r>
+              <a:rPr lang="cs-CZ" dirty="0"/>
+              <a:t> </a:t>
+            </a:r>
+            <a:r>
+              <a:rPr lang="cs-CZ" dirty="0" err="1"/>
+              <a:t>Calculation</a:t>
+            </a:r>
+            <a:r>
+              <a:rPr lang="cs-CZ" dirty="0"/>
+              <a:t>(</a:t>
+            </a:r>
+            <a:r>
+              <a:rPr lang="cs-CZ" dirty="0" err="1"/>
+              <a:t>int</a:t>
+            </a:r>
+            <a:r>
+              <a:rPr lang="cs-CZ" dirty="0"/>
+              <a:t> x, </a:t>
+            </a:r>
+            <a:r>
+              <a:rPr lang="cs-CZ" dirty="0" err="1"/>
+              <a:t>int</a:t>
+            </a:r>
+            <a:r>
+              <a:rPr lang="cs-CZ" dirty="0"/>
+              <a:t> y)  </a:t>
+            </a:r>
+          </a:p>
+          <a:p>
+            <a:pPr>
+              <a:buFont typeface="+mj-lt"/>
+              <a:buNone/>
+            </a:pPr>
+            <a:r>
+              <a:rPr lang="cs-CZ" dirty="0"/>
+              <a:t>    {  </a:t>
+            </a:r>
+          </a:p>
+          <a:p>
+            <a:pPr>
+              <a:buFont typeface="+mj-lt"/>
+              <a:buNone/>
+            </a:pPr>
+            <a:r>
+              <a:rPr lang="cs-CZ" dirty="0"/>
+              <a:t>        return x + y;  </a:t>
+            </a:r>
+          </a:p>
+          <a:p>
+            <a:pPr>
+              <a:buFont typeface="+mj-lt"/>
+              <a:buNone/>
+            </a:pPr>
+            <a:r>
+              <a:rPr lang="cs-CZ" dirty="0"/>
+              <a:t>    }  </a:t>
+            </a:r>
+          </a:p>
+          <a:p>
+            <a:pPr>
+              <a:buFont typeface="+mj-lt"/>
+              <a:buNone/>
+            </a:pPr>
+            <a:r>
+              <a:rPr lang="cs-CZ" dirty="0"/>
+              <a:t>}  </a:t>
+            </a:r>
+          </a:p>
+        </p:txBody>
+      </p:sp>
+      <p:sp>
+        <p:nvSpPr>
+          <p:cNvPr id="4" name="Zástupný symbol pro číslo snímku 3"/>
+          <p:cNvSpPr>
+            <a:spLocks noGrp="1"/>
+          </p:cNvSpPr>
+          <p:nvPr>
+            <p:ph type="sldNum" sz="quarter" idx="5"/>
+          </p:nvPr>
+        </p:nvSpPr>
+        <p:spPr/>
+        <p:txBody>
+          <a:bodyPr/>
+          <a:lstStyle/>
+          <a:p>
+            <a:fld id="{F5B04A2B-021E-414E-AE15-7211829DC160}" type="slidenum">
+              <a:rPr lang="cs-CZ" smtClean="0"/>
+              <a:t>6</a:t>
+            </a:fld>
+            <a:endParaRPr lang="cs-CZ"/>
+          </a:p>
+        </p:txBody>
+      </p:sp>
+    </p:spTree>
+    <p:extLst>
+      <p:ext uri="{BB962C8B-B14F-4D97-AF65-F5344CB8AC3E}">
+        <p14:creationId xmlns:p14="http://schemas.microsoft.com/office/powerpoint/2010/main" val="3784115185"/>
+      </p:ext>
+    </p:extLst>
+  </p:cSld>
+  <p:clrMapOvr>
+    <a:masterClrMapping/>
+  </p:clrMapOvr>
+</p:notes>
+</file>
+
+<file path=ppt/notesSlides/notesSlide6.xml><?xml version="1.0" encoding="utf-8"?>
+<p:notes xmlns:a="http://schemas.openxmlformats.org/drawingml/2006/main" xmlns:r="http://schemas.openxmlformats.org/officeDocument/2006/relationships" xmlns:p="http://schemas.openxmlformats.org/presentationml/2006/main">
+  <p:cSld>
+    <p:spTree>
+      <p:nvGrpSpPr>
+        <p:cNvPr id="1" name=""/>
+        <p:cNvGrpSpPr/>
+        <p:nvPr/>
+      </p:nvGrpSpPr>
+      <p:grpSpPr>
+        <a:xfrm>
+          <a:off x="0" y="0"/>
+          <a:ext cx="0" cy="0"/>
+          <a:chOff x="0" y="0"/>
+          <a:chExt cx="0" cy="0"/>
+        </a:xfrm>
+      </p:grpSpPr>
+      <p:sp>
+        <p:nvSpPr>
+          <p:cNvPr id="2" name="Zástupný symbol pro obrázek snímku 1"/>
+          <p:cNvSpPr>
+            <a:spLocks noGrp="1" noRot="1" noChangeAspect="1"/>
+          </p:cNvSpPr>
+          <p:nvPr>
+            <p:ph type="sldImg"/>
+          </p:nvPr>
+        </p:nvSpPr>
+        <p:spPr/>
+      </p:sp>
+      <p:sp>
+        <p:nvSpPr>
+          <p:cNvPr id="3" name="Zástupný symbol pro poznámky 2"/>
+          <p:cNvSpPr>
+            <a:spLocks noGrp="1"/>
+          </p:cNvSpPr>
+          <p:nvPr>
+            <p:ph type="body" idx="1"/>
+          </p:nvPr>
+        </p:nvSpPr>
+        <p:spPr/>
+        <p:txBody>
+          <a:bodyPr/>
+          <a:lstStyle/>
+          <a:p>
+            <a:r>
+              <a:rPr lang="cs-CZ" dirty="0"/>
+              <a:t>Jedná se o parametry, které ukazují na umístění adresy proměnných, nikoli na jejich skutečné hodnoty. Deklarují se pomocí klíčového slova '</a:t>
+            </a:r>
+            <a:r>
+              <a:rPr lang="cs-CZ" dirty="0" err="1"/>
+              <a:t>ref</a:t>
+            </a:r>
+            <a:r>
+              <a:rPr lang="cs-CZ" dirty="0"/>
+              <a:t>'. Je třeba poznamenat, že klíčové slovo </a:t>
+            </a:r>
+            <a:r>
+              <a:rPr lang="cs-CZ" dirty="0" err="1"/>
+              <a:t>ref</a:t>
+            </a:r>
+            <a:r>
+              <a:rPr lang="cs-CZ" dirty="0"/>
+              <a:t> musí být uvedeno jak při deklaraci funkce, tak při její implementaci, jako v následujícím úryvku kódu. Ve výše uvedeném úryvku jsou hodnoty a </a:t>
+            </a:r>
+            <a:r>
+              <a:rPr lang="cs-CZ" dirty="0" err="1"/>
+              <a:t>a</a:t>
+            </a:r>
+            <a:r>
+              <a:rPr lang="cs-CZ" dirty="0"/>
+              <a:t> b v hlavní metodě 20 a 50, poté voláme metodu výpočtu a hodnoty parametrů předáváme jako referenční typ. Tyto hodnoty přejdou do metody Výpočet spolu s referenčními parametry a hodnoty se změní na 80 a 20. Zde proměnné a </a:t>
+            </a:r>
+            <a:r>
+              <a:rPr lang="cs-CZ" dirty="0" err="1"/>
+              <a:t>a</a:t>
+            </a:r>
+            <a:r>
+              <a:rPr lang="cs-CZ" dirty="0"/>
+              <a:t> b &amp; x a y ukazují na stejná adresní místa. Hodnoty se tedy změní a výsledkem bude 100, protože nyní se hodnoty a </a:t>
+            </a:r>
+            <a:r>
+              <a:rPr lang="cs-CZ" dirty="0" err="1"/>
+              <a:t>a</a:t>
+            </a:r>
+            <a:r>
+              <a:rPr lang="cs-CZ" dirty="0"/>
+              <a:t> b změní na 80 a 20.</a:t>
+            </a:r>
+          </a:p>
+          <a:p>
+            <a:endParaRPr lang="cs-CZ" dirty="0"/>
+          </a:p>
+          <a:p>
+            <a:pPr marL="0" indent="0">
+              <a:buFont typeface="+mj-lt"/>
+              <a:buNone/>
+            </a:pPr>
+            <a:endParaRPr lang="cs-CZ" dirty="0"/>
+          </a:p>
+          <a:p>
+            <a:pPr>
+              <a:buFont typeface="+mj-lt"/>
+              <a:buNone/>
+            </a:pPr>
+            <a:r>
+              <a:rPr lang="cs-CZ" dirty="0" err="1"/>
+              <a:t>using</a:t>
+            </a:r>
+            <a:r>
+              <a:rPr lang="cs-CZ" dirty="0"/>
+              <a:t> </a:t>
+            </a:r>
+            <a:r>
+              <a:rPr lang="cs-CZ" dirty="0" err="1"/>
+              <a:t>System</a:t>
+            </a:r>
+            <a:r>
+              <a:rPr lang="cs-CZ" dirty="0"/>
+              <a:t>;  </a:t>
+            </a:r>
+          </a:p>
+          <a:p>
+            <a:pPr>
+              <a:buFont typeface="+mj-lt"/>
+              <a:buNone/>
+            </a:pPr>
+            <a:r>
+              <a:rPr lang="cs-CZ" dirty="0" err="1"/>
+              <a:t>class</a:t>
+            </a:r>
+            <a:r>
+              <a:rPr lang="cs-CZ" dirty="0"/>
+              <a:t> Program  </a:t>
+            </a:r>
+          </a:p>
+          <a:p>
+            <a:pPr>
+              <a:buFont typeface="+mj-lt"/>
+              <a:buNone/>
+            </a:pPr>
+            <a:r>
+              <a:rPr lang="cs-CZ" dirty="0"/>
+              <a:t>{  </a:t>
+            </a:r>
+          </a:p>
+          <a:p>
+            <a:pPr>
+              <a:buFont typeface="+mj-lt"/>
+              <a:buNone/>
+            </a:pPr>
+            <a:r>
+              <a:rPr lang="cs-CZ" dirty="0"/>
+              <a:t>    public static </a:t>
+            </a:r>
+            <a:r>
+              <a:rPr lang="cs-CZ" dirty="0" err="1"/>
+              <a:t>void</a:t>
+            </a:r>
+            <a:r>
+              <a:rPr lang="cs-CZ" dirty="0"/>
+              <a:t> </a:t>
+            </a:r>
+            <a:r>
+              <a:rPr lang="cs-CZ" dirty="0" err="1"/>
+              <a:t>Main</a:t>
+            </a:r>
+            <a:r>
+              <a:rPr lang="cs-CZ" dirty="0"/>
+              <a:t>(</a:t>
+            </a:r>
+            <a:r>
+              <a:rPr lang="cs-CZ" dirty="0" err="1"/>
+              <a:t>string</a:t>
+            </a:r>
+            <a:r>
+              <a:rPr lang="cs-CZ" dirty="0"/>
+              <a:t>[] </a:t>
+            </a:r>
+            <a:r>
+              <a:rPr lang="cs-CZ" dirty="0" err="1"/>
+              <a:t>args</a:t>
+            </a:r>
+            <a:r>
+              <a:rPr lang="cs-CZ" dirty="0"/>
+              <a:t>)  </a:t>
+            </a:r>
+          </a:p>
+          <a:p>
+            <a:pPr>
+              <a:buFont typeface="+mj-lt"/>
+              <a:buNone/>
+            </a:pPr>
+            <a:r>
+              <a:rPr lang="cs-CZ" dirty="0"/>
+              <a:t>    {  </a:t>
+            </a:r>
+          </a:p>
+          <a:p>
+            <a:pPr>
+              <a:buFont typeface="+mj-lt"/>
+              <a:buNone/>
+            </a:pPr>
+            <a:r>
+              <a:rPr lang="cs-CZ" dirty="0"/>
+              <a:t>        var a = 20;  </a:t>
+            </a:r>
+          </a:p>
+          <a:p>
+            <a:pPr>
+              <a:buFont typeface="+mj-lt"/>
+              <a:buNone/>
+            </a:pPr>
+            <a:r>
+              <a:rPr lang="cs-CZ" dirty="0"/>
+              <a:t>        var b = 50;  </a:t>
+            </a:r>
+          </a:p>
+          <a:p>
+            <a:pPr>
+              <a:buFont typeface="+mj-lt"/>
+              <a:buNone/>
+            </a:pPr>
+            <a:r>
+              <a:rPr lang="cs-CZ" dirty="0"/>
+              <a:t>        </a:t>
+            </a:r>
+            <a:r>
+              <a:rPr lang="cs-CZ" dirty="0" err="1"/>
+              <a:t>Calculation</a:t>
+            </a:r>
+            <a:r>
+              <a:rPr lang="cs-CZ" dirty="0"/>
+              <a:t>(</a:t>
+            </a:r>
+            <a:r>
+              <a:rPr lang="cs-CZ" dirty="0" err="1"/>
+              <a:t>ref</a:t>
+            </a:r>
+            <a:r>
+              <a:rPr lang="cs-CZ" dirty="0"/>
+              <a:t> a, </a:t>
+            </a:r>
+            <a:r>
+              <a:rPr lang="cs-CZ" dirty="0" err="1"/>
+              <a:t>ref</a:t>
+            </a:r>
+            <a:r>
+              <a:rPr lang="cs-CZ" dirty="0"/>
+              <a:t> b);  </a:t>
+            </a:r>
+          </a:p>
+          <a:p>
+            <a:pPr>
+              <a:buFont typeface="+mj-lt"/>
+              <a:buNone/>
+            </a:pPr>
+            <a:r>
+              <a:rPr lang="cs-CZ" dirty="0"/>
+              <a:t>        </a:t>
+            </a:r>
+            <a:r>
+              <a:rPr lang="cs-CZ" dirty="0" err="1"/>
+              <a:t>Console.WriteLine</a:t>
+            </a:r>
+            <a:r>
+              <a:rPr lang="cs-CZ" dirty="0"/>
+              <a:t>(a + b);  </a:t>
+            </a:r>
+          </a:p>
+          <a:p>
+            <a:pPr>
+              <a:buFont typeface="+mj-lt"/>
+              <a:buNone/>
+            </a:pPr>
+            <a:r>
+              <a:rPr lang="cs-CZ" dirty="0"/>
+              <a:t>    }  </a:t>
+            </a:r>
+          </a:p>
+          <a:p>
+            <a:pPr>
+              <a:buFont typeface="+mj-lt"/>
+              <a:buNone/>
+            </a:pPr>
+            <a:r>
+              <a:rPr lang="cs-CZ" dirty="0"/>
+              <a:t>    public static </a:t>
+            </a:r>
+            <a:r>
+              <a:rPr lang="cs-CZ" dirty="0" err="1"/>
+              <a:t>void</a:t>
+            </a:r>
+            <a:r>
+              <a:rPr lang="cs-CZ" dirty="0"/>
+              <a:t> </a:t>
+            </a:r>
+            <a:r>
+              <a:rPr lang="cs-CZ" dirty="0" err="1"/>
+              <a:t>Calculation</a:t>
+            </a:r>
+            <a:r>
+              <a:rPr lang="cs-CZ" dirty="0"/>
+              <a:t>(</a:t>
+            </a:r>
+            <a:r>
+              <a:rPr lang="cs-CZ" dirty="0" err="1"/>
+              <a:t>ref</a:t>
+            </a:r>
+            <a:r>
+              <a:rPr lang="cs-CZ" dirty="0"/>
+              <a:t> </a:t>
+            </a:r>
+            <a:r>
+              <a:rPr lang="cs-CZ" dirty="0" err="1"/>
+              <a:t>int</a:t>
+            </a:r>
+            <a:r>
+              <a:rPr lang="cs-CZ" dirty="0"/>
+              <a:t> x, </a:t>
+            </a:r>
+            <a:r>
+              <a:rPr lang="cs-CZ" dirty="0" err="1"/>
+              <a:t>ref</a:t>
+            </a:r>
+            <a:r>
+              <a:rPr lang="cs-CZ" dirty="0"/>
+              <a:t> </a:t>
+            </a:r>
+            <a:r>
+              <a:rPr lang="cs-CZ" dirty="0" err="1"/>
+              <a:t>int</a:t>
+            </a:r>
+            <a:r>
+              <a:rPr lang="cs-CZ" dirty="0"/>
+              <a:t> y)  </a:t>
+            </a:r>
+          </a:p>
+          <a:p>
+            <a:pPr>
+              <a:buFont typeface="+mj-lt"/>
+              <a:buNone/>
+            </a:pPr>
+            <a:r>
+              <a:rPr lang="cs-CZ" dirty="0"/>
+              <a:t>    {  </a:t>
+            </a:r>
+          </a:p>
+          <a:p>
+            <a:pPr>
+              <a:buFont typeface="+mj-lt"/>
+              <a:buNone/>
+            </a:pPr>
+            <a:r>
+              <a:rPr lang="cs-CZ" dirty="0"/>
+              <a:t>        x = 80;  </a:t>
+            </a:r>
+          </a:p>
+          <a:p>
+            <a:pPr>
+              <a:buFont typeface="+mj-lt"/>
+              <a:buNone/>
+            </a:pPr>
+            <a:r>
+              <a:rPr lang="cs-CZ" dirty="0"/>
+              <a:t>        y = 20;  </a:t>
+            </a:r>
+          </a:p>
+          <a:p>
+            <a:pPr>
+              <a:buFont typeface="+mj-lt"/>
+              <a:buNone/>
+            </a:pPr>
+            <a:r>
+              <a:rPr lang="cs-CZ" dirty="0"/>
+              <a:t>    }  </a:t>
+            </a:r>
+          </a:p>
+          <a:p>
+            <a:pPr>
+              <a:buFont typeface="+mj-lt"/>
+              <a:buNone/>
+            </a:pPr>
+            <a:r>
+              <a:rPr lang="cs-CZ" dirty="0"/>
+              <a:t>}  </a:t>
+            </a:r>
+          </a:p>
+          <a:p>
+            <a:endParaRPr lang="cs-CZ" dirty="0"/>
+          </a:p>
+        </p:txBody>
+      </p:sp>
+      <p:sp>
+        <p:nvSpPr>
+          <p:cNvPr id="4" name="Zástupný symbol pro číslo snímku 3"/>
+          <p:cNvSpPr>
+            <a:spLocks noGrp="1"/>
+          </p:cNvSpPr>
+          <p:nvPr>
+            <p:ph type="sldNum" sz="quarter" idx="5"/>
+          </p:nvPr>
+        </p:nvSpPr>
+        <p:spPr/>
+        <p:txBody>
+          <a:bodyPr/>
+          <a:lstStyle/>
+          <a:p>
+            <a:fld id="{F5B04A2B-021E-414E-AE15-7211829DC160}" type="slidenum">
+              <a:rPr lang="cs-CZ" smtClean="0"/>
+              <a:t>7</a:t>
+            </a:fld>
+            <a:endParaRPr lang="cs-CZ"/>
+          </a:p>
+        </p:txBody>
+      </p:sp>
+    </p:spTree>
+    <p:extLst>
+      <p:ext uri="{BB962C8B-B14F-4D97-AF65-F5344CB8AC3E}">
+        <p14:creationId xmlns:p14="http://schemas.microsoft.com/office/powerpoint/2010/main" val="1481850222"/>
+      </p:ext>
+    </p:extLst>
+  </p:cSld>
+  <p:clrMapOvr>
+    <a:masterClrMapping/>
+  </p:clrMapOvr>
+</p:notes>
+</file>
+
+<file path=ppt/notesSlides/notesSlide7.xml><?xml version="1.0" encoding="utf-8"?>
+<p:notes xmlns:a="http://schemas.openxmlformats.org/drawingml/2006/main" xmlns:r="http://schemas.openxmlformats.org/officeDocument/2006/relationships" xmlns:p="http://schemas.openxmlformats.org/presentationml/2006/main">
+  <p:cSld>
+    <p:spTree>
+      <p:nvGrpSpPr>
+        <p:cNvPr id="1" name=""/>
+        <p:cNvGrpSpPr/>
+        <p:nvPr/>
+      </p:nvGrpSpPr>
+      <p:grpSpPr>
+        <a:xfrm>
+          <a:off x="0" y="0"/>
+          <a:ext cx="0" cy="0"/>
+          <a:chOff x="0" y="0"/>
+          <a:chExt cx="0" cy="0"/>
+        </a:xfrm>
+      </p:grpSpPr>
+      <p:sp>
+        <p:nvSpPr>
+          <p:cNvPr id="2" name="Zástupný symbol pro obrázek snímku 1"/>
+          <p:cNvSpPr>
+            <a:spLocks noGrp="1" noRot="1" noChangeAspect="1"/>
+          </p:cNvSpPr>
+          <p:nvPr>
+            <p:ph type="sldImg"/>
+          </p:nvPr>
+        </p:nvSpPr>
+        <p:spPr/>
+      </p:sp>
+      <p:sp>
+        <p:nvSpPr>
+          <p:cNvPr id="3" name="Zástupný symbol pro poznámky 2"/>
+          <p:cNvSpPr>
+            <a:spLocks noGrp="1"/>
+          </p:cNvSpPr>
+          <p:nvPr>
+            <p:ph type="body" idx="1"/>
+          </p:nvPr>
+        </p:nvSpPr>
+        <p:spPr/>
+        <p:txBody>
+          <a:bodyPr/>
+          <a:lstStyle/>
+          <a:p>
+            <a:pPr marL="0" indent="0">
+              <a:buFont typeface="Arial" panose="020B0604020202020204" pitchFamily="34" charset="0"/>
+              <a:buNone/>
+            </a:pPr>
+            <a:r>
+              <a:rPr lang="cs-CZ" dirty="0" err="1"/>
+              <a:t>using</a:t>
+            </a:r>
+            <a:r>
+              <a:rPr lang="cs-CZ" dirty="0"/>
+              <a:t> </a:t>
+            </a:r>
+            <a:r>
+              <a:rPr lang="cs-CZ" dirty="0" err="1"/>
+              <a:t>System</a:t>
+            </a:r>
+            <a:r>
+              <a:rPr lang="cs-CZ" dirty="0"/>
+              <a:t>;  </a:t>
+            </a:r>
+          </a:p>
+          <a:p>
+            <a:pPr marL="0" indent="0">
+              <a:buFont typeface="Arial" panose="020B0604020202020204" pitchFamily="34" charset="0"/>
+              <a:buNone/>
+            </a:pPr>
+            <a:r>
+              <a:rPr lang="cs-CZ" dirty="0" err="1"/>
+              <a:t>class</a:t>
+            </a:r>
+            <a:r>
+              <a:rPr lang="cs-CZ" dirty="0"/>
+              <a:t> Program  </a:t>
+            </a:r>
+          </a:p>
+          <a:p>
+            <a:pPr marL="0" indent="0">
+              <a:buFont typeface="Arial" panose="020B0604020202020204" pitchFamily="34" charset="0"/>
+              <a:buNone/>
+            </a:pPr>
+            <a:r>
+              <a:rPr lang="cs-CZ" dirty="0"/>
+              <a:t>{  </a:t>
+            </a:r>
+          </a:p>
+          <a:p>
+            <a:pPr marL="0" indent="0">
+              <a:buFont typeface="Arial" panose="020B0604020202020204" pitchFamily="34" charset="0"/>
+              <a:buNone/>
+            </a:pPr>
+            <a:r>
+              <a:rPr lang="cs-CZ" dirty="0"/>
+              <a:t>    public static </a:t>
+            </a:r>
+            <a:r>
+              <a:rPr lang="cs-CZ" dirty="0" err="1"/>
+              <a:t>void</a:t>
+            </a:r>
+            <a:r>
+              <a:rPr lang="cs-CZ" dirty="0"/>
+              <a:t> </a:t>
+            </a:r>
+            <a:r>
+              <a:rPr lang="cs-CZ" dirty="0" err="1"/>
+              <a:t>Main</a:t>
+            </a:r>
+            <a:r>
+              <a:rPr lang="cs-CZ" dirty="0"/>
+              <a:t>(</a:t>
+            </a:r>
+            <a:r>
+              <a:rPr lang="cs-CZ" dirty="0" err="1"/>
+              <a:t>string</a:t>
+            </a:r>
+            <a:r>
+              <a:rPr lang="cs-CZ" dirty="0"/>
+              <a:t>[] </a:t>
+            </a:r>
+            <a:r>
+              <a:rPr lang="cs-CZ" dirty="0" err="1"/>
+              <a:t>args</a:t>
+            </a:r>
+            <a:r>
+              <a:rPr lang="cs-CZ" dirty="0"/>
+              <a:t>)  </a:t>
+            </a:r>
+          </a:p>
+          <a:p>
+            <a:pPr marL="0" indent="0">
+              <a:buFont typeface="Arial" panose="020B0604020202020204" pitchFamily="34" charset="0"/>
+              <a:buNone/>
+            </a:pPr>
+            <a:r>
+              <a:rPr lang="cs-CZ" dirty="0"/>
+              <a:t>    {  </a:t>
+            </a:r>
+          </a:p>
+          <a:p>
+            <a:pPr marL="0" indent="0">
+              <a:buFont typeface="Arial" panose="020B0604020202020204" pitchFamily="34" charset="0"/>
+              <a:buNone/>
+            </a:pPr>
+            <a:r>
+              <a:rPr lang="cs-CZ" dirty="0"/>
+              <a:t>        var a = </a:t>
+            </a:r>
+            <a:r>
+              <a:rPr lang="cs-CZ" dirty="0" err="1"/>
+              <a:t>new</a:t>
+            </a:r>
+            <a:r>
+              <a:rPr lang="cs-CZ" dirty="0"/>
+              <a:t> </a:t>
+            </a:r>
+            <a:r>
+              <a:rPr lang="cs-CZ" dirty="0" err="1"/>
+              <a:t>int</a:t>
+            </a:r>
+            <a:r>
+              <a:rPr lang="cs-CZ" dirty="0"/>
+              <a:t>[4];  </a:t>
+            </a:r>
+          </a:p>
+          <a:p>
+            <a:pPr marL="0" indent="0">
+              <a:buFont typeface="Arial" panose="020B0604020202020204" pitchFamily="34" charset="0"/>
+              <a:buNone/>
+            </a:pPr>
+            <a:r>
+              <a:rPr lang="cs-CZ" dirty="0"/>
+              <a:t>        a[0] = 10;  </a:t>
+            </a:r>
+          </a:p>
+          <a:p>
+            <a:pPr marL="0" indent="0">
+              <a:buFont typeface="Arial" panose="020B0604020202020204" pitchFamily="34" charset="0"/>
+              <a:buNone/>
+            </a:pPr>
+            <a:r>
+              <a:rPr lang="cs-CZ" dirty="0"/>
+              <a:t>        a[1] = 20;  </a:t>
+            </a:r>
+          </a:p>
+          <a:p>
+            <a:pPr marL="0" indent="0">
+              <a:buFont typeface="Arial" panose="020B0604020202020204" pitchFamily="34" charset="0"/>
+              <a:buNone/>
+            </a:pPr>
+            <a:r>
+              <a:rPr lang="cs-CZ" dirty="0"/>
+              <a:t>        a[2] = 30;  </a:t>
+            </a:r>
+          </a:p>
+          <a:p>
+            <a:pPr marL="0" indent="0">
+              <a:buFont typeface="Arial" panose="020B0604020202020204" pitchFamily="34" charset="0"/>
+              <a:buNone/>
+            </a:pPr>
+            <a:r>
+              <a:rPr lang="cs-CZ" dirty="0"/>
+              <a:t>        a[3] = 40;  </a:t>
+            </a:r>
+          </a:p>
+          <a:p>
+            <a:pPr marL="0" indent="0">
+              <a:buFont typeface="Arial" panose="020B0604020202020204" pitchFamily="34" charset="0"/>
+              <a:buNone/>
+            </a:pPr>
+            <a:r>
+              <a:rPr lang="cs-CZ" dirty="0"/>
+              <a:t>        </a:t>
+            </a:r>
+            <a:r>
+              <a:rPr lang="cs-CZ" dirty="0" err="1"/>
+              <a:t>ArrayMethod</a:t>
+            </a:r>
+            <a:r>
+              <a:rPr lang="cs-CZ" dirty="0"/>
+              <a:t>(a);  </a:t>
+            </a:r>
+          </a:p>
+          <a:p>
+            <a:pPr marL="0" indent="0">
+              <a:buFont typeface="Arial" panose="020B0604020202020204" pitchFamily="34" charset="0"/>
+              <a:buNone/>
+            </a:pPr>
+            <a:r>
+              <a:rPr lang="cs-CZ" dirty="0"/>
+              <a:t>    }  </a:t>
+            </a:r>
+          </a:p>
+          <a:p>
+            <a:pPr marL="0" indent="0">
+              <a:buFont typeface="Arial" panose="020B0604020202020204" pitchFamily="34" charset="0"/>
+              <a:buNone/>
+            </a:pPr>
+            <a:r>
+              <a:rPr lang="cs-CZ" dirty="0"/>
+              <a:t>    public static </a:t>
+            </a:r>
+            <a:r>
+              <a:rPr lang="cs-CZ" dirty="0" err="1"/>
+              <a:t>void</a:t>
+            </a:r>
+            <a:r>
+              <a:rPr lang="cs-CZ" dirty="0"/>
+              <a:t> </a:t>
+            </a:r>
+            <a:r>
+              <a:rPr lang="cs-CZ" dirty="0" err="1"/>
+              <a:t>ArrayMethod</a:t>
+            </a:r>
+            <a:r>
+              <a:rPr lang="cs-CZ" dirty="0"/>
+              <a:t>(</a:t>
+            </a:r>
+            <a:r>
+              <a:rPr lang="cs-CZ" dirty="0" err="1"/>
+              <a:t>int</a:t>
+            </a:r>
+            <a:r>
+              <a:rPr lang="cs-CZ" dirty="0"/>
+              <a:t>[] </a:t>
+            </a:r>
+            <a:r>
+              <a:rPr lang="cs-CZ" dirty="0" err="1"/>
+              <a:t>arr</a:t>
+            </a:r>
+            <a:r>
+              <a:rPr lang="cs-CZ" dirty="0"/>
+              <a:t>)  </a:t>
+            </a:r>
+          </a:p>
+          <a:p>
+            <a:pPr marL="0" indent="0">
+              <a:buFont typeface="Arial" panose="020B0604020202020204" pitchFamily="34" charset="0"/>
+              <a:buNone/>
+            </a:pPr>
+            <a:r>
+              <a:rPr lang="cs-CZ" dirty="0"/>
+              <a:t>    {  </a:t>
+            </a:r>
+          </a:p>
+          <a:p>
+            <a:pPr marL="0" indent="0">
+              <a:buFont typeface="Arial" panose="020B0604020202020204" pitchFamily="34" charset="0"/>
+              <a:buNone/>
+            </a:pPr>
+            <a:r>
+              <a:rPr lang="cs-CZ" dirty="0"/>
+              <a:t>        </a:t>
+            </a:r>
+            <a:r>
+              <a:rPr lang="cs-CZ" dirty="0" err="1"/>
+              <a:t>Console.WriteLine</a:t>
+            </a:r>
+            <a:r>
+              <a:rPr lang="cs-CZ" dirty="0"/>
+              <a:t>($„Jednotlivé prvky v poli: {</a:t>
+            </a:r>
+            <a:r>
+              <a:rPr lang="cs-CZ" dirty="0" err="1"/>
+              <a:t>arr.Length</a:t>
+            </a:r>
+            <a:r>
+              <a:rPr lang="cs-CZ" dirty="0"/>
+              <a:t>}");  </a:t>
+            </a:r>
+          </a:p>
+          <a:p>
+            <a:pPr marL="0" indent="0">
+              <a:buFont typeface="Arial" panose="020B0604020202020204" pitchFamily="34" charset="0"/>
+              <a:buNone/>
+            </a:pPr>
+            <a:r>
+              <a:rPr lang="cs-CZ" dirty="0"/>
+              <a:t>        </a:t>
+            </a:r>
+            <a:r>
+              <a:rPr lang="cs-CZ" dirty="0" err="1"/>
+              <a:t>foreach</a:t>
+            </a:r>
+            <a:r>
+              <a:rPr lang="cs-CZ" dirty="0"/>
+              <a:t> (var i in </a:t>
+            </a:r>
+            <a:r>
+              <a:rPr lang="cs-CZ" dirty="0" err="1"/>
+              <a:t>arr</a:t>
+            </a:r>
+            <a:r>
+              <a:rPr lang="cs-CZ" dirty="0"/>
+              <a:t>)  </a:t>
+            </a:r>
+          </a:p>
+          <a:p>
+            <a:pPr marL="0" indent="0">
+              <a:buFont typeface="Arial" panose="020B0604020202020204" pitchFamily="34" charset="0"/>
+              <a:buNone/>
+            </a:pPr>
+            <a:r>
+              <a:rPr lang="cs-CZ" dirty="0"/>
+              <a:t>        {  </a:t>
+            </a:r>
+          </a:p>
+          <a:p>
+            <a:pPr marL="0" indent="0">
+              <a:buFont typeface="Arial" panose="020B0604020202020204" pitchFamily="34" charset="0"/>
+              <a:buNone/>
+            </a:pPr>
+            <a:r>
+              <a:rPr lang="cs-CZ" dirty="0"/>
+              <a:t>            </a:t>
+            </a:r>
+            <a:r>
+              <a:rPr lang="cs-CZ" dirty="0" err="1"/>
+              <a:t>Console.WriteLine</a:t>
+            </a:r>
+            <a:r>
+              <a:rPr lang="cs-CZ" dirty="0"/>
+              <a:t>(i);  </a:t>
+            </a:r>
+          </a:p>
+          <a:p>
+            <a:pPr marL="0" indent="0">
+              <a:buFont typeface="Arial" panose="020B0604020202020204" pitchFamily="34" charset="0"/>
+              <a:buNone/>
+            </a:pPr>
+            <a:r>
+              <a:rPr lang="cs-CZ" dirty="0"/>
+              <a:t>        }  </a:t>
+            </a:r>
+          </a:p>
+          <a:p>
+            <a:pPr marL="0" indent="0">
+              <a:buFont typeface="Arial" panose="020B0604020202020204" pitchFamily="34" charset="0"/>
+              <a:buNone/>
+            </a:pPr>
+            <a:r>
+              <a:rPr lang="cs-CZ" dirty="0"/>
+              <a:t>    }  </a:t>
+            </a:r>
+          </a:p>
+          <a:p>
+            <a:pPr marL="0" indent="0">
+              <a:buFont typeface="Arial" panose="020B0604020202020204" pitchFamily="34" charset="0"/>
+              <a:buNone/>
+            </a:pPr>
+            <a:r>
+              <a:rPr lang="cs-CZ" dirty="0"/>
+              <a:t>}  </a:t>
+            </a:r>
+          </a:p>
+          <a:p>
+            <a:pPr marL="0" indent="0">
+              <a:buFont typeface="Arial" panose="020B0604020202020204" pitchFamily="34" charset="0"/>
+              <a:buNone/>
+            </a:pPr>
+            <a:endParaRPr lang="cs-CZ" dirty="0"/>
+          </a:p>
+        </p:txBody>
+      </p:sp>
+      <p:sp>
+        <p:nvSpPr>
+          <p:cNvPr id="4" name="Zástupný symbol pro číslo snímku 3"/>
+          <p:cNvSpPr>
+            <a:spLocks noGrp="1"/>
+          </p:cNvSpPr>
+          <p:nvPr>
+            <p:ph type="sldNum" sz="quarter" idx="5"/>
+          </p:nvPr>
+        </p:nvSpPr>
+        <p:spPr/>
+        <p:txBody>
+          <a:bodyPr/>
+          <a:lstStyle/>
+          <a:p>
+            <a:fld id="{F5B04A2B-021E-414E-AE15-7211829DC160}" type="slidenum">
+              <a:rPr lang="cs-CZ" smtClean="0"/>
+              <a:t>8</a:t>
+            </a:fld>
+            <a:endParaRPr lang="cs-CZ"/>
+          </a:p>
+        </p:txBody>
+      </p:sp>
+    </p:spTree>
+    <p:extLst>
+      <p:ext uri="{BB962C8B-B14F-4D97-AF65-F5344CB8AC3E}">
+        <p14:creationId xmlns:p14="http://schemas.microsoft.com/office/powerpoint/2010/main" val="2598303436"/>
+      </p:ext>
+    </p:extLst>
+  </p:cSld>
+  <p:clrMapOvr>
+    <a:masterClrMapping/>
+  </p:clrMapOvr>
+</p:notes>
+</file>
+
+<file path=ppt/notesSlides/notesSlide8.xml><?xml version="1.0" encoding="utf-8"?>
+<p:notes xmlns:a="http://schemas.openxmlformats.org/drawingml/2006/main" xmlns:r="http://schemas.openxmlformats.org/officeDocument/2006/relationships" xmlns:p="http://schemas.openxmlformats.org/presentationml/2006/main">
+  <p:cSld>
+    <p:spTree>
+      <p:nvGrpSpPr>
+        <p:cNvPr id="1" name=""/>
+        <p:cNvGrpSpPr/>
+        <p:nvPr/>
+      </p:nvGrpSpPr>
+      <p:grpSpPr>
+        <a:xfrm>
+          <a:off x="0" y="0"/>
+          <a:ext cx="0" cy="0"/>
+          <a:chOff x="0" y="0"/>
+          <a:chExt cx="0" cy="0"/>
+        </a:xfrm>
+      </p:grpSpPr>
+      <p:sp>
+        <p:nvSpPr>
+          <p:cNvPr id="2" name="Zástupný symbol pro obrázek snímku 1"/>
+          <p:cNvSpPr>
+            <a:spLocks noGrp="1" noRot="1" noChangeAspect="1"/>
+          </p:cNvSpPr>
+          <p:nvPr>
+            <p:ph type="sldImg"/>
+          </p:nvPr>
+        </p:nvSpPr>
+        <p:spPr/>
+      </p:sp>
+      <p:sp>
+        <p:nvSpPr>
+          <p:cNvPr id="3" name="Zástupný symbol pro poznámky 2"/>
+          <p:cNvSpPr>
+            <a:spLocks noGrp="1"/>
+          </p:cNvSpPr>
+          <p:nvPr>
+            <p:ph type="body" idx="1"/>
+          </p:nvPr>
+        </p:nvSpPr>
+        <p:spPr/>
+        <p:txBody>
+          <a:bodyPr/>
+          <a:lstStyle/>
+          <a:p>
+            <a:pPr>
+              <a:buFont typeface="+mj-lt"/>
+              <a:buNone/>
+            </a:pPr>
+            <a:r>
+              <a:rPr lang="cs-CZ" dirty="0" err="1"/>
+              <a:t>using</a:t>
+            </a:r>
+            <a:r>
+              <a:rPr lang="cs-CZ" dirty="0"/>
+              <a:t> </a:t>
+            </a:r>
+            <a:r>
+              <a:rPr lang="cs-CZ" dirty="0" err="1"/>
+              <a:t>System</a:t>
+            </a:r>
+            <a:r>
+              <a:rPr lang="cs-CZ" dirty="0"/>
+              <a:t>;  </a:t>
+            </a:r>
+          </a:p>
+          <a:p>
+            <a:pPr>
+              <a:buFont typeface="+mj-lt"/>
+              <a:buNone/>
+            </a:pPr>
+            <a:r>
+              <a:rPr lang="cs-CZ" dirty="0" err="1"/>
+              <a:t>class</a:t>
+            </a:r>
+            <a:r>
+              <a:rPr lang="cs-CZ" dirty="0"/>
+              <a:t> Program  </a:t>
+            </a:r>
+          </a:p>
+          <a:p>
+            <a:pPr>
+              <a:buFont typeface="+mj-lt"/>
+              <a:buNone/>
+            </a:pPr>
+            <a:r>
+              <a:rPr lang="cs-CZ" dirty="0"/>
+              <a:t>{  </a:t>
+            </a:r>
+          </a:p>
+          <a:p>
+            <a:pPr>
+              <a:buFont typeface="+mj-lt"/>
+              <a:buNone/>
+            </a:pPr>
+            <a:r>
+              <a:rPr lang="cs-CZ" dirty="0"/>
+              <a:t>    public static </a:t>
+            </a:r>
+            <a:r>
+              <a:rPr lang="cs-CZ" dirty="0" err="1"/>
+              <a:t>void</a:t>
+            </a:r>
+            <a:r>
+              <a:rPr lang="cs-CZ" dirty="0"/>
+              <a:t> </a:t>
+            </a:r>
+            <a:r>
+              <a:rPr lang="cs-CZ" dirty="0" err="1"/>
+              <a:t>Main</a:t>
+            </a:r>
+            <a:r>
+              <a:rPr lang="cs-CZ" dirty="0"/>
+              <a:t>(</a:t>
+            </a:r>
+            <a:r>
+              <a:rPr lang="cs-CZ" dirty="0" err="1"/>
+              <a:t>string</a:t>
+            </a:r>
+            <a:r>
+              <a:rPr lang="cs-CZ" dirty="0"/>
+              <a:t>[] </a:t>
+            </a:r>
+            <a:r>
+              <a:rPr lang="cs-CZ" dirty="0" err="1"/>
+              <a:t>args</a:t>
+            </a:r>
+            <a:r>
+              <a:rPr lang="cs-CZ" dirty="0"/>
+              <a:t>)  </a:t>
+            </a:r>
+          </a:p>
+          <a:p>
+            <a:pPr>
+              <a:buFont typeface="+mj-lt"/>
+              <a:buNone/>
+            </a:pPr>
+            <a:r>
+              <a:rPr lang="cs-CZ" dirty="0"/>
+              <a:t>    {  </a:t>
+            </a:r>
+          </a:p>
+          <a:p>
+            <a:pPr>
+              <a:buFont typeface="+mj-lt"/>
+              <a:buNone/>
+            </a:pPr>
+            <a:r>
+              <a:rPr lang="cs-CZ" dirty="0"/>
+              <a:t>        </a:t>
+            </a:r>
+            <a:r>
+              <a:rPr lang="cs-CZ" dirty="0" err="1"/>
+              <a:t>int</a:t>
+            </a:r>
+            <a:r>
+              <a:rPr lang="cs-CZ" dirty="0"/>
+              <a:t> a, b, c, d;  </a:t>
+            </a:r>
+          </a:p>
+          <a:p>
+            <a:pPr>
+              <a:buFont typeface="+mj-lt"/>
+              <a:buNone/>
+            </a:pPr>
+            <a:r>
+              <a:rPr lang="cs-CZ" dirty="0"/>
+              <a:t>        </a:t>
+            </a:r>
+            <a:r>
+              <a:rPr lang="cs-CZ" dirty="0" err="1"/>
+              <a:t>Calculator</a:t>
+            </a:r>
+            <a:r>
+              <a:rPr lang="cs-CZ" dirty="0"/>
+              <a:t>(80, 40, out a, out b, out c, out d);  </a:t>
+            </a:r>
+          </a:p>
+          <a:p>
+            <a:pPr>
+              <a:buFont typeface="+mj-lt"/>
+              <a:buNone/>
+            </a:pPr>
+            <a:r>
+              <a:rPr lang="cs-CZ" dirty="0"/>
+              <a:t>        </a:t>
+            </a:r>
+            <a:r>
+              <a:rPr lang="cs-CZ" dirty="0" err="1"/>
+              <a:t>Console.WriteLine</a:t>
+            </a:r>
+            <a:r>
+              <a:rPr lang="cs-CZ" dirty="0"/>
+              <a:t>($"</a:t>
+            </a:r>
+            <a:r>
+              <a:rPr lang="cs-CZ" dirty="0" err="1"/>
+              <a:t>The</a:t>
+            </a:r>
+            <a:r>
+              <a:rPr lang="cs-CZ" dirty="0"/>
+              <a:t> Sum </a:t>
+            </a:r>
+            <a:r>
+              <a:rPr lang="cs-CZ" dirty="0" err="1"/>
+              <a:t>is</a:t>
+            </a:r>
+            <a:r>
+              <a:rPr lang="cs-CZ" dirty="0"/>
+              <a:t> : {a}");  </a:t>
+            </a:r>
+          </a:p>
+          <a:p>
+            <a:pPr>
+              <a:buFont typeface="+mj-lt"/>
+              <a:buNone/>
+            </a:pPr>
+            <a:r>
+              <a:rPr lang="cs-CZ" dirty="0"/>
+              <a:t>        </a:t>
+            </a:r>
+            <a:r>
+              <a:rPr lang="cs-CZ" dirty="0" err="1"/>
+              <a:t>Console.WriteLine</a:t>
+            </a:r>
+            <a:r>
+              <a:rPr lang="cs-CZ" dirty="0"/>
+              <a:t>($"</a:t>
+            </a:r>
+            <a:r>
+              <a:rPr lang="cs-CZ" dirty="0" err="1"/>
+              <a:t>The</a:t>
+            </a:r>
+            <a:r>
+              <a:rPr lang="cs-CZ" dirty="0"/>
+              <a:t> </a:t>
+            </a:r>
+            <a:r>
+              <a:rPr lang="cs-CZ" dirty="0" err="1"/>
+              <a:t>Product</a:t>
+            </a:r>
+            <a:r>
+              <a:rPr lang="cs-CZ" dirty="0"/>
+              <a:t> </a:t>
+            </a:r>
+            <a:r>
+              <a:rPr lang="cs-CZ" dirty="0" err="1"/>
+              <a:t>is</a:t>
+            </a:r>
+            <a:r>
+              <a:rPr lang="cs-CZ" dirty="0"/>
+              <a:t> : {b}");  </a:t>
+            </a:r>
+          </a:p>
+          <a:p>
+            <a:pPr>
+              <a:buFont typeface="+mj-lt"/>
+              <a:buNone/>
+            </a:pPr>
+            <a:r>
+              <a:rPr lang="cs-CZ" dirty="0"/>
+              <a:t>        </a:t>
+            </a:r>
+            <a:r>
+              <a:rPr lang="cs-CZ" dirty="0" err="1"/>
+              <a:t>Console.WriteLine</a:t>
+            </a:r>
+            <a:r>
+              <a:rPr lang="cs-CZ" dirty="0"/>
+              <a:t>($"</a:t>
+            </a:r>
+            <a:r>
+              <a:rPr lang="cs-CZ" dirty="0" err="1"/>
+              <a:t>The</a:t>
+            </a:r>
+            <a:r>
+              <a:rPr lang="cs-CZ" dirty="0"/>
+              <a:t> </a:t>
+            </a:r>
+            <a:r>
+              <a:rPr lang="cs-CZ" dirty="0" err="1"/>
+              <a:t>Division</a:t>
+            </a:r>
+            <a:r>
+              <a:rPr lang="cs-CZ" dirty="0"/>
+              <a:t> </a:t>
+            </a:r>
+            <a:r>
+              <a:rPr lang="cs-CZ" dirty="0" err="1"/>
+              <a:t>is</a:t>
+            </a:r>
+            <a:r>
+              <a:rPr lang="cs-CZ" dirty="0"/>
+              <a:t> : {c}");  </a:t>
+            </a:r>
+          </a:p>
+          <a:p>
+            <a:pPr>
+              <a:buFont typeface="+mj-lt"/>
+              <a:buNone/>
+            </a:pPr>
+            <a:r>
+              <a:rPr lang="cs-CZ" dirty="0"/>
+              <a:t>        </a:t>
+            </a:r>
+            <a:r>
+              <a:rPr lang="cs-CZ" dirty="0" err="1"/>
+              <a:t>Console.WriteLine</a:t>
+            </a:r>
+            <a:r>
+              <a:rPr lang="cs-CZ" dirty="0"/>
+              <a:t>($"</a:t>
+            </a:r>
+            <a:r>
+              <a:rPr lang="cs-CZ" dirty="0" err="1"/>
+              <a:t>The</a:t>
+            </a:r>
+            <a:r>
+              <a:rPr lang="cs-CZ" dirty="0"/>
+              <a:t> </a:t>
+            </a:r>
+            <a:r>
+              <a:rPr lang="cs-CZ" dirty="0" err="1"/>
+              <a:t>Subtract</a:t>
+            </a:r>
+            <a:r>
+              <a:rPr lang="cs-CZ" dirty="0"/>
+              <a:t> </a:t>
+            </a:r>
+            <a:r>
+              <a:rPr lang="cs-CZ" dirty="0" err="1"/>
+              <a:t>is</a:t>
+            </a:r>
+            <a:r>
+              <a:rPr lang="cs-CZ" dirty="0"/>
+              <a:t> : {d}");  </a:t>
+            </a:r>
+          </a:p>
+          <a:p>
+            <a:pPr>
+              <a:buFont typeface="+mj-lt"/>
+              <a:buNone/>
+            </a:pPr>
+            <a:r>
+              <a:rPr lang="cs-CZ" dirty="0"/>
+              <a:t>    }  </a:t>
+            </a:r>
+          </a:p>
+          <a:p>
+            <a:pPr>
+              <a:buFont typeface="+mj-lt"/>
+              <a:buNone/>
+            </a:pPr>
+            <a:r>
+              <a:rPr lang="cs-CZ" dirty="0"/>
+              <a:t>    public static </a:t>
+            </a:r>
+            <a:r>
+              <a:rPr lang="cs-CZ" dirty="0" err="1"/>
+              <a:t>void</a:t>
+            </a:r>
+            <a:r>
+              <a:rPr lang="cs-CZ" dirty="0"/>
+              <a:t> </a:t>
+            </a:r>
+            <a:r>
+              <a:rPr lang="cs-CZ" dirty="0" err="1"/>
+              <a:t>Calculator</a:t>
+            </a:r>
+            <a:r>
+              <a:rPr lang="cs-CZ" dirty="0"/>
+              <a:t>(</a:t>
+            </a:r>
+            <a:r>
+              <a:rPr lang="cs-CZ" dirty="0" err="1"/>
+              <a:t>int</a:t>
+            </a:r>
+            <a:r>
+              <a:rPr lang="cs-CZ" dirty="0"/>
+              <a:t> x, </a:t>
+            </a:r>
+            <a:r>
+              <a:rPr lang="cs-CZ" dirty="0" err="1"/>
+              <a:t>int</a:t>
+            </a:r>
+            <a:r>
+              <a:rPr lang="cs-CZ" dirty="0"/>
+              <a:t> y, out </a:t>
+            </a:r>
+            <a:r>
+              <a:rPr lang="cs-CZ" dirty="0" err="1"/>
+              <a:t>int</a:t>
+            </a:r>
+            <a:r>
+              <a:rPr lang="cs-CZ" dirty="0"/>
+              <a:t> sum, out </a:t>
+            </a:r>
+            <a:r>
+              <a:rPr lang="cs-CZ" dirty="0" err="1"/>
+              <a:t>int</a:t>
+            </a:r>
+            <a:r>
+              <a:rPr lang="cs-CZ" dirty="0"/>
+              <a:t> </a:t>
+            </a:r>
+            <a:r>
+              <a:rPr lang="cs-CZ" dirty="0" err="1"/>
+              <a:t>product</a:t>
+            </a:r>
+            <a:r>
+              <a:rPr lang="cs-CZ" dirty="0"/>
+              <a:t>, out </a:t>
+            </a:r>
+            <a:r>
+              <a:rPr lang="cs-CZ" dirty="0" err="1"/>
+              <a:t>int</a:t>
+            </a:r>
+            <a:r>
+              <a:rPr lang="cs-CZ" dirty="0"/>
+              <a:t> </a:t>
+            </a:r>
+            <a:r>
+              <a:rPr lang="cs-CZ" dirty="0" err="1"/>
+              <a:t>division</a:t>
+            </a:r>
+            <a:r>
+              <a:rPr lang="cs-CZ" dirty="0"/>
+              <a:t>, out </a:t>
+            </a:r>
+            <a:r>
+              <a:rPr lang="cs-CZ" dirty="0" err="1"/>
+              <a:t>int</a:t>
+            </a:r>
+            <a:r>
+              <a:rPr lang="cs-CZ" dirty="0"/>
+              <a:t> </a:t>
+            </a:r>
+            <a:r>
+              <a:rPr lang="cs-CZ" dirty="0" err="1"/>
+              <a:t>subtract</a:t>
+            </a:r>
+            <a:r>
+              <a:rPr lang="cs-CZ" dirty="0"/>
+              <a:t>)  </a:t>
+            </a:r>
+          </a:p>
+          <a:p>
+            <a:pPr>
+              <a:buFont typeface="+mj-lt"/>
+              <a:buNone/>
+            </a:pPr>
+            <a:r>
+              <a:rPr lang="cs-CZ" dirty="0"/>
+              <a:t>    {  </a:t>
+            </a:r>
+          </a:p>
+          <a:p>
+            <a:pPr>
+              <a:buFont typeface="+mj-lt"/>
+              <a:buNone/>
+            </a:pPr>
+            <a:r>
+              <a:rPr lang="cs-CZ" dirty="0"/>
+              <a:t>        sum = x + y;  </a:t>
+            </a:r>
+          </a:p>
+          <a:p>
+            <a:pPr>
+              <a:buFont typeface="+mj-lt"/>
+              <a:buNone/>
+            </a:pPr>
+            <a:r>
+              <a:rPr lang="cs-CZ" dirty="0"/>
+              <a:t>        </a:t>
+            </a:r>
+            <a:r>
+              <a:rPr lang="cs-CZ" dirty="0" err="1"/>
+              <a:t>product</a:t>
+            </a:r>
+            <a:r>
+              <a:rPr lang="cs-CZ" dirty="0"/>
+              <a:t> = x * y;  </a:t>
+            </a:r>
+          </a:p>
+          <a:p>
+            <a:pPr>
+              <a:buFont typeface="+mj-lt"/>
+              <a:buNone/>
+            </a:pPr>
+            <a:r>
+              <a:rPr lang="cs-CZ" dirty="0"/>
+              <a:t>        </a:t>
+            </a:r>
+            <a:r>
+              <a:rPr lang="cs-CZ" dirty="0" err="1"/>
+              <a:t>division</a:t>
+            </a:r>
+            <a:r>
+              <a:rPr lang="cs-CZ" dirty="0"/>
+              <a:t> = x / y;  </a:t>
+            </a:r>
+          </a:p>
+          <a:p>
+            <a:pPr>
+              <a:buFont typeface="+mj-lt"/>
+              <a:buNone/>
+            </a:pPr>
+            <a:r>
+              <a:rPr lang="cs-CZ" dirty="0"/>
+              <a:t>        </a:t>
+            </a:r>
+            <a:r>
+              <a:rPr lang="cs-CZ" dirty="0" err="1"/>
+              <a:t>subtract</a:t>
+            </a:r>
+            <a:r>
+              <a:rPr lang="cs-CZ" dirty="0"/>
+              <a:t> = x - y;  </a:t>
+            </a:r>
+          </a:p>
+          <a:p>
+            <a:pPr>
+              <a:buFont typeface="+mj-lt"/>
+              <a:buNone/>
+            </a:pPr>
+            <a:r>
+              <a:rPr lang="cs-CZ" dirty="0"/>
+              <a:t>    }  </a:t>
+            </a:r>
+          </a:p>
+          <a:p>
+            <a:pPr>
+              <a:buFont typeface="+mj-lt"/>
+              <a:buNone/>
+            </a:pPr>
+            <a:r>
+              <a:rPr lang="cs-CZ" dirty="0"/>
+              <a:t>}  </a:t>
+            </a:r>
+          </a:p>
+          <a:p>
+            <a:pPr marL="0" indent="0">
+              <a:buFont typeface="+mj-lt"/>
+              <a:buNone/>
+            </a:pPr>
             <a:endParaRPr lang="cs-CZ" dirty="0"/>
           </a:p>
         </p:txBody>
@@ -1067,6 +3282,456 @@
     <p:extLst>
       <p:ext uri="{BB962C8B-B14F-4D97-AF65-F5344CB8AC3E}">
         <p14:creationId xmlns:p14="http://schemas.microsoft.com/office/powerpoint/2010/main" val="1066929147"/>
+      </p:ext>
+    </p:extLst>
+  </p:cSld>
+  <p:clrMapOvr>
+    <a:masterClrMapping/>
+  </p:clrMapOvr>
+</p:notes>
+</file>
+
+<file path=ppt/notesSlides/notesSlide9.xml><?xml version="1.0" encoding="utf-8"?>
+<p:notes xmlns:a="http://schemas.openxmlformats.org/drawingml/2006/main" xmlns:r="http://schemas.openxmlformats.org/officeDocument/2006/relationships" xmlns:p="http://schemas.openxmlformats.org/presentationml/2006/main">
+  <p:cSld>
+    <p:spTree>
+      <p:nvGrpSpPr>
+        <p:cNvPr id="1" name=""/>
+        <p:cNvGrpSpPr/>
+        <p:nvPr/>
+      </p:nvGrpSpPr>
+      <p:grpSpPr>
+        <a:xfrm>
+          <a:off x="0" y="0"/>
+          <a:ext cx="0" cy="0"/>
+          <a:chOff x="0" y="0"/>
+          <a:chExt cx="0" cy="0"/>
+        </a:xfrm>
+      </p:grpSpPr>
+      <p:sp>
+        <p:nvSpPr>
+          <p:cNvPr id="2" name="Zástupný symbol pro obrázek snímku 1"/>
+          <p:cNvSpPr>
+            <a:spLocks noGrp="1" noRot="1" noChangeAspect="1"/>
+          </p:cNvSpPr>
+          <p:nvPr>
+            <p:ph type="sldImg"/>
+          </p:nvPr>
+        </p:nvSpPr>
+        <p:spPr/>
+      </p:sp>
+      <p:sp>
+        <p:nvSpPr>
+          <p:cNvPr id="3" name="Zástupný symbol pro poznámky 2"/>
+          <p:cNvSpPr>
+            <a:spLocks noGrp="1"/>
+          </p:cNvSpPr>
+          <p:nvPr>
+            <p:ph type="body" idx="1"/>
+          </p:nvPr>
+        </p:nvSpPr>
+        <p:spPr/>
+        <p:txBody>
+          <a:bodyPr/>
+          <a:lstStyle/>
+          <a:p>
+            <a:pPr>
+              <a:buFont typeface="+mj-lt"/>
+              <a:buNone/>
+            </a:pPr>
+            <a:r>
+              <a:rPr lang="cs-CZ" dirty="0" err="1"/>
+              <a:t>using</a:t>
+            </a:r>
+            <a:r>
+              <a:rPr lang="cs-CZ" dirty="0"/>
+              <a:t> </a:t>
+            </a:r>
+            <a:r>
+              <a:rPr lang="cs-CZ" dirty="0" err="1"/>
+              <a:t>System</a:t>
+            </a:r>
+            <a:r>
+              <a:rPr lang="cs-CZ" dirty="0"/>
+              <a:t>;  </a:t>
+            </a:r>
+          </a:p>
+          <a:p>
+            <a:pPr>
+              <a:buFont typeface="+mj-lt"/>
+              <a:buNone/>
+            </a:pPr>
+            <a:r>
+              <a:rPr lang="cs-CZ" dirty="0" err="1"/>
+              <a:t>class</a:t>
+            </a:r>
+            <a:r>
+              <a:rPr lang="cs-CZ" dirty="0"/>
+              <a:t> Program  </a:t>
+            </a:r>
+          </a:p>
+          <a:p>
+            <a:pPr>
+              <a:buFont typeface="+mj-lt"/>
+              <a:buNone/>
+            </a:pPr>
+            <a:r>
+              <a:rPr lang="cs-CZ" dirty="0"/>
+              <a:t>{  </a:t>
+            </a:r>
+          </a:p>
+          <a:p>
+            <a:pPr>
+              <a:buFont typeface="+mj-lt"/>
+              <a:buNone/>
+            </a:pPr>
+            <a:r>
+              <a:rPr lang="cs-CZ" dirty="0"/>
+              <a:t>    public static </a:t>
+            </a:r>
+            <a:r>
+              <a:rPr lang="cs-CZ" dirty="0" err="1"/>
+              <a:t>void</a:t>
+            </a:r>
+            <a:r>
+              <a:rPr lang="cs-CZ" dirty="0"/>
+              <a:t> </a:t>
+            </a:r>
+            <a:r>
+              <a:rPr lang="cs-CZ" dirty="0" err="1"/>
+              <a:t>Main</a:t>
+            </a:r>
+            <a:r>
+              <a:rPr lang="cs-CZ" dirty="0"/>
+              <a:t>(</a:t>
+            </a:r>
+            <a:r>
+              <a:rPr lang="cs-CZ" dirty="0" err="1"/>
+              <a:t>string</a:t>
+            </a:r>
+            <a:r>
+              <a:rPr lang="cs-CZ" dirty="0"/>
+              <a:t>[] </a:t>
+            </a:r>
+            <a:r>
+              <a:rPr lang="cs-CZ" dirty="0" err="1"/>
+              <a:t>args</a:t>
+            </a:r>
+            <a:r>
+              <a:rPr lang="cs-CZ" dirty="0"/>
+              <a:t>)  </a:t>
+            </a:r>
+          </a:p>
+          <a:p>
+            <a:pPr>
+              <a:buFont typeface="+mj-lt"/>
+              <a:buNone/>
+            </a:pPr>
+            <a:r>
+              <a:rPr lang="cs-CZ" dirty="0"/>
+              <a:t>    {  </a:t>
+            </a:r>
+          </a:p>
+          <a:p>
+            <a:pPr>
+              <a:buFont typeface="+mj-lt"/>
+              <a:buNone/>
+            </a:pPr>
+            <a:r>
+              <a:rPr lang="cs-CZ" dirty="0"/>
+              <a:t>        var a = </a:t>
+            </a:r>
+            <a:r>
+              <a:rPr lang="cs-CZ" dirty="0" err="1"/>
+              <a:t>new</a:t>
+            </a:r>
+            <a:r>
+              <a:rPr lang="cs-CZ" dirty="0"/>
+              <a:t> </a:t>
+            </a:r>
+            <a:r>
+              <a:rPr lang="cs-CZ" dirty="0" err="1"/>
+              <a:t>int</a:t>
+            </a:r>
+            <a:r>
+              <a:rPr lang="cs-CZ" dirty="0"/>
+              <a:t>[4];  </a:t>
+            </a:r>
+          </a:p>
+          <a:p>
+            <a:pPr>
+              <a:buFont typeface="+mj-lt"/>
+              <a:buNone/>
+            </a:pPr>
+            <a:r>
+              <a:rPr lang="cs-CZ" dirty="0"/>
+              <a:t>        a[0] = 10;  </a:t>
+            </a:r>
+          </a:p>
+          <a:p>
+            <a:pPr>
+              <a:buFont typeface="+mj-lt"/>
+              <a:buNone/>
+            </a:pPr>
+            <a:r>
+              <a:rPr lang="cs-CZ" dirty="0"/>
+              <a:t>        a[1] = 20;  </a:t>
+            </a:r>
+          </a:p>
+          <a:p>
+            <a:pPr>
+              <a:buFont typeface="+mj-lt"/>
+              <a:buNone/>
+            </a:pPr>
+            <a:r>
+              <a:rPr lang="cs-CZ" dirty="0"/>
+              <a:t>        a[2] = 30;  </a:t>
+            </a:r>
+          </a:p>
+          <a:p>
+            <a:pPr>
+              <a:buFont typeface="+mj-lt"/>
+              <a:buNone/>
+            </a:pPr>
+            <a:r>
+              <a:rPr lang="cs-CZ" dirty="0"/>
+              <a:t>        a[3] = 40;  </a:t>
+            </a:r>
+          </a:p>
+          <a:p>
+            <a:pPr>
+              <a:buFont typeface="+mj-lt"/>
+              <a:buNone/>
+            </a:pPr>
+            <a:r>
+              <a:rPr lang="cs-CZ" dirty="0"/>
+              <a:t>        </a:t>
+            </a:r>
+            <a:r>
+              <a:rPr lang="cs-CZ" dirty="0" err="1"/>
+              <a:t>ArrayMethod</a:t>
+            </a:r>
+            <a:r>
+              <a:rPr lang="cs-CZ" dirty="0"/>
+              <a:t>();  </a:t>
+            </a:r>
+          </a:p>
+          <a:p>
+            <a:pPr>
+              <a:buFont typeface="+mj-lt"/>
+              <a:buNone/>
+            </a:pPr>
+            <a:r>
+              <a:rPr lang="cs-CZ" dirty="0"/>
+              <a:t>    }  </a:t>
+            </a:r>
+          </a:p>
+          <a:p>
+            <a:pPr>
+              <a:buFont typeface="+mj-lt"/>
+              <a:buNone/>
+            </a:pPr>
+            <a:r>
+              <a:rPr lang="cs-CZ" dirty="0"/>
+              <a:t>    public static </a:t>
+            </a:r>
+            <a:r>
+              <a:rPr lang="cs-CZ" dirty="0" err="1"/>
+              <a:t>void</a:t>
+            </a:r>
+            <a:r>
+              <a:rPr lang="cs-CZ" dirty="0"/>
+              <a:t> </a:t>
+            </a:r>
+            <a:r>
+              <a:rPr lang="cs-CZ" dirty="0" err="1"/>
+              <a:t>ArrayMethod</a:t>
+            </a:r>
+            <a:r>
+              <a:rPr lang="cs-CZ" dirty="0"/>
+              <a:t>(</a:t>
+            </a:r>
+            <a:r>
+              <a:rPr lang="cs-CZ" dirty="0" err="1"/>
+              <a:t>params</a:t>
+            </a:r>
+            <a:r>
+              <a:rPr lang="cs-CZ" dirty="0"/>
+              <a:t> </a:t>
+            </a:r>
+            <a:r>
+              <a:rPr lang="cs-CZ" dirty="0" err="1"/>
+              <a:t>int</a:t>
+            </a:r>
+            <a:r>
+              <a:rPr lang="cs-CZ" dirty="0"/>
+              <a:t>[] </a:t>
+            </a:r>
+            <a:r>
+              <a:rPr lang="cs-CZ" dirty="0" err="1"/>
+              <a:t>arr</a:t>
+            </a:r>
+            <a:r>
+              <a:rPr lang="cs-CZ" dirty="0"/>
+              <a:t>)  </a:t>
+            </a:r>
+          </a:p>
+          <a:p>
+            <a:pPr>
+              <a:buFont typeface="+mj-lt"/>
+              <a:buNone/>
+            </a:pPr>
+            <a:r>
+              <a:rPr lang="cs-CZ" dirty="0"/>
+              <a:t>    {  </a:t>
+            </a:r>
+          </a:p>
+          <a:p>
+            <a:pPr>
+              <a:buFont typeface="+mj-lt"/>
+              <a:buNone/>
+            </a:pPr>
+            <a:r>
+              <a:rPr lang="cs-CZ" dirty="0"/>
+              <a:t>        </a:t>
+            </a:r>
+            <a:r>
+              <a:rPr lang="cs-CZ" dirty="0" err="1"/>
+              <a:t>Console.WriteLine</a:t>
+            </a:r>
+            <a:r>
+              <a:rPr lang="cs-CZ" dirty="0"/>
+              <a:t>($„Počet Elementů v poli je: {</a:t>
+            </a:r>
+            <a:r>
+              <a:rPr lang="cs-CZ" dirty="0" err="1"/>
+              <a:t>arr.Length</a:t>
+            </a:r>
+            <a:r>
+              <a:rPr lang="cs-CZ" dirty="0"/>
+              <a:t>}");  </a:t>
+            </a:r>
+          </a:p>
+          <a:p>
+            <a:pPr>
+              <a:buFont typeface="+mj-lt"/>
+              <a:buNone/>
+            </a:pPr>
+            <a:r>
+              <a:rPr lang="cs-CZ" dirty="0"/>
+              <a:t>        </a:t>
+            </a:r>
+            <a:r>
+              <a:rPr lang="cs-CZ" dirty="0" err="1"/>
+              <a:t>foreach</a:t>
+            </a:r>
+            <a:r>
+              <a:rPr lang="cs-CZ" dirty="0"/>
+              <a:t> (var i in </a:t>
+            </a:r>
+            <a:r>
+              <a:rPr lang="cs-CZ" dirty="0" err="1"/>
+              <a:t>arr</a:t>
+            </a:r>
+            <a:r>
+              <a:rPr lang="cs-CZ" dirty="0"/>
+              <a:t>)  </a:t>
+            </a:r>
+          </a:p>
+          <a:p>
+            <a:pPr>
+              <a:buFont typeface="+mj-lt"/>
+              <a:buNone/>
+            </a:pPr>
+            <a:r>
+              <a:rPr lang="cs-CZ" dirty="0"/>
+              <a:t>        {  </a:t>
+            </a:r>
+          </a:p>
+          <a:p>
+            <a:pPr>
+              <a:buFont typeface="+mj-lt"/>
+              <a:buNone/>
+            </a:pPr>
+            <a:r>
+              <a:rPr lang="cs-CZ" dirty="0"/>
+              <a:t>            </a:t>
+            </a:r>
+            <a:r>
+              <a:rPr lang="cs-CZ" dirty="0" err="1"/>
+              <a:t>Console.WriteLine</a:t>
+            </a:r>
+            <a:r>
+              <a:rPr lang="cs-CZ" dirty="0"/>
+              <a:t>(i);  </a:t>
+            </a:r>
+          </a:p>
+          <a:p>
+            <a:pPr>
+              <a:buFont typeface="+mj-lt"/>
+              <a:buNone/>
+            </a:pPr>
+            <a:r>
+              <a:rPr lang="cs-CZ" dirty="0"/>
+              <a:t>        }  </a:t>
+            </a:r>
+          </a:p>
+          <a:p>
+            <a:pPr>
+              <a:buFont typeface="+mj-lt"/>
+              <a:buNone/>
+            </a:pPr>
+            <a:r>
+              <a:rPr lang="cs-CZ" dirty="0"/>
+              <a:t>    }  </a:t>
+            </a:r>
+          </a:p>
+          <a:p>
+            <a:pPr>
+              <a:buFont typeface="+mj-lt"/>
+              <a:buNone/>
+            </a:pPr>
+            <a:r>
+              <a:rPr lang="cs-CZ" dirty="0"/>
+              <a:t>}  </a:t>
+            </a:r>
+          </a:p>
+          <a:p>
+            <a:pPr marL="0" indent="0">
+              <a:buFont typeface="+mj-lt"/>
+              <a:buNone/>
+            </a:pPr>
+            <a:endParaRPr lang="cs-CZ" dirty="0"/>
+          </a:p>
+        </p:txBody>
+      </p:sp>
+      <p:sp>
+        <p:nvSpPr>
+          <p:cNvPr id="4" name="Zástupný symbol pro číslo snímku 3"/>
+          <p:cNvSpPr>
+            <a:spLocks noGrp="1"/>
+          </p:cNvSpPr>
+          <p:nvPr>
+            <p:ph type="sldNum" sz="quarter" idx="5"/>
+          </p:nvPr>
+        </p:nvSpPr>
+        <p:spPr/>
+        <p:txBody>
+          <a:bodyPr/>
+          <a:lstStyle/>
+          <a:p>
+            <a:fld id="{F5B04A2B-021E-414E-AE15-7211829DC160}" type="slidenum">
+              <a:rPr lang="cs-CZ" smtClean="0"/>
+              <a:t>10</a:t>
+            </a:fld>
+            <a:endParaRPr lang="cs-CZ"/>
+          </a:p>
+        </p:txBody>
+      </p:sp>
+    </p:spTree>
+    <p:extLst>
+      <p:ext uri="{BB962C8B-B14F-4D97-AF65-F5344CB8AC3E}">
+        <p14:creationId xmlns:p14="http://schemas.microsoft.com/office/powerpoint/2010/main" val="2349436261"/>
       </p:ext>
     </p:extLst>
   </p:cSld>
@@ -4313,7 +6978,7 @@
           <a:p>
             <a:r>
               <a:rPr lang="cs-CZ" dirty="0"/>
-              <a:t>Programování</a:t>
+              <a:t>Hodina programování</a:t>
             </a:r>
             <a:br>
               <a:rPr lang="cs-CZ" dirty="0"/>
@@ -4357,6 +7022,323 @@
     <p:extLst>
       <p:ext uri="{BB962C8B-B14F-4D97-AF65-F5344CB8AC3E}">
         <p14:creationId xmlns:p14="http://schemas.microsoft.com/office/powerpoint/2010/main" val="1950543664"/>
+      </p:ext>
+    </p:extLst>
+  </p:cSld>
+  <p:clrMapOvr>
+    <a:masterClrMapping/>
+  </p:clrMapOvr>
+</p:sld>
+</file>
+
+<file path=ppt/slides/slide10.xml><?xml version="1.0" encoding="utf-8"?>
+<p:sld xmlns:a="http://schemas.openxmlformats.org/drawingml/2006/main" xmlns:r="http://schemas.openxmlformats.org/officeDocument/2006/relationships" xmlns:p="http://schemas.openxmlformats.org/presentationml/2006/main">
+  <p:cSld>
+    <p:spTree>
+      <p:nvGrpSpPr>
+        <p:cNvPr id="1" name=""/>
+        <p:cNvGrpSpPr/>
+        <p:nvPr/>
+      </p:nvGrpSpPr>
+      <p:grpSpPr>
+        <a:xfrm>
+          <a:off x="0" y="0"/>
+          <a:ext cx="0" cy="0"/>
+          <a:chOff x="0" y="0"/>
+          <a:chExt cx="0" cy="0"/>
+        </a:xfrm>
+      </p:grpSpPr>
+      <p:sp>
+        <p:nvSpPr>
+          <p:cNvPr id="2" name="Nadpis 1">
+            <a:extLst>
+              <a:ext uri="{FF2B5EF4-FFF2-40B4-BE49-F238E27FC236}">
+                <a16:creationId xmlns:a16="http://schemas.microsoft.com/office/drawing/2014/main" id="{63A60BD5-5897-4A44-8709-4F050B18B28F}"/>
+              </a:ext>
+            </a:extLst>
+          </p:cNvPr>
+          <p:cNvSpPr>
+            <a:spLocks noGrp="1"/>
+          </p:cNvSpPr>
+          <p:nvPr>
+            <p:ph type="title"/>
+          </p:nvPr>
+        </p:nvSpPr>
+        <p:spPr/>
+        <p:txBody>
+          <a:bodyPr/>
+          <a:lstStyle/>
+          <a:p>
+            <a:r>
+              <a:rPr lang="cs-CZ" dirty="0"/>
+              <a:t>Klíčové slovo -</a:t>
+            </a:r>
+            <a:r>
+              <a:rPr lang="cs-CZ" b="1" dirty="0"/>
+              <a:t>  </a:t>
+            </a:r>
+            <a:r>
+              <a:rPr lang="cs-CZ" b="1" dirty="0" err="1"/>
+              <a:t>params</a:t>
+            </a:r>
+            <a:endParaRPr lang="cs-CZ" dirty="0"/>
+          </a:p>
+        </p:txBody>
+      </p:sp>
+      <p:sp>
+        <p:nvSpPr>
+          <p:cNvPr id="3" name="Zástupný obsah 2">
+            <a:extLst>
+              <a:ext uri="{FF2B5EF4-FFF2-40B4-BE49-F238E27FC236}">
+                <a16:creationId xmlns:a16="http://schemas.microsoft.com/office/drawing/2014/main" id="{6F62CA06-E0E0-484D-BCC8-51E78A6B41F3}"/>
+              </a:ext>
+            </a:extLst>
+          </p:cNvPr>
+          <p:cNvSpPr>
+            <a:spLocks noGrp="1"/>
+          </p:cNvSpPr>
+          <p:nvPr>
+            <p:ph idx="1"/>
+          </p:nvPr>
+        </p:nvSpPr>
+        <p:spPr>
+          <a:xfrm>
+            <a:off x="838200" y="1825625"/>
+            <a:ext cx="4008120" cy="4351338"/>
+          </a:xfrm>
+        </p:spPr>
+        <p:txBody>
+          <a:bodyPr>
+            <a:normAutofit fontScale="92500" lnSpcReduction="10000"/>
+          </a:bodyPr>
+          <a:lstStyle/>
+          <a:p>
+            <a:r>
+              <a:rPr lang="cs-CZ" dirty="0"/>
+              <a:t>Jedná se o klíčové slovo, které můžete použít s parametrem funkce, aby byl nepovinný. Zajišťuje, že pokud hodnota parametru není zadána, funkce nevyvolá žádnou chybu/nezadá žádný problém. Ve funkci však může být </a:t>
+            </a:r>
+            <a:r>
+              <a:rPr lang="cs-CZ" b="1" dirty="0"/>
+              <a:t>pouze jeden</a:t>
+            </a:r>
+            <a:r>
+              <a:rPr lang="cs-CZ" dirty="0"/>
+              <a:t> a </a:t>
+            </a:r>
+            <a:r>
+              <a:rPr lang="cs-CZ" i="1" dirty="0"/>
+              <a:t>měl by to být poslední parametr dané funkce</a:t>
+            </a:r>
+            <a:r>
+              <a:rPr lang="cs-CZ" dirty="0"/>
+              <a:t>. </a:t>
+            </a:r>
+          </a:p>
+        </p:txBody>
+      </p:sp>
+      <p:pic>
+        <p:nvPicPr>
+          <p:cNvPr id="5" name="Obrázek 4">
+            <a:extLst>
+              <a:ext uri="{FF2B5EF4-FFF2-40B4-BE49-F238E27FC236}">
+                <a16:creationId xmlns:a16="http://schemas.microsoft.com/office/drawing/2014/main" id="{053DFB4F-A31E-4DB4-98AE-7F60888A6B5F}"/>
+              </a:ext>
+            </a:extLst>
+          </p:cNvPr>
+          <p:cNvPicPr>
+            <a:picLocks noChangeAspect="1"/>
+          </p:cNvPicPr>
+          <p:nvPr/>
+        </p:nvPicPr>
+        <p:blipFill>
+          <a:blip r:embed="rId3">
+            <a:extLst>
+              <a:ext uri="{28A0092B-C50C-407E-A947-70E740481C1C}">
+                <a14:useLocalDpi xmlns:a14="http://schemas.microsoft.com/office/drawing/2010/main" val="0"/>
+              </a:ext>
+            </a:extLst>
+          </a:blip>
+          <a:stretch>
+            <a:fillRect/>
+          </a:stretch>
+        </p:blipFill>
+        <p:spPr>
+          <a:xfrm>
+            <a:off x="4532446" y="978991"/>
+            <a:ext cx="7723597" cy="5879009"/>
+          </a:xfrm>
+          <a:prstGeom prst="rect">
+            <a:avLst/>
+          </a:prstGeom>
+        </p:spPr>
+      </p:pic>
+    </p:spTree>
+    <p:extLst>
+      <p:ext uri="{BB962C8B-B14F-4D97-AF65-F5344CB8AC3E}">
+        <p14:creationId xmlns:p14="http://schemas.microsoft.com/office/powerpoint/2010/main" val="1170463551"/>
+      </p:ext>
+    </p:extLst>
+  </p:cSld>
+  <p:clrMapOvr>
+    <a:masterClrMapping/>
+  </p:clrMapOvr>
+</p:sld>
+</file>
+
+<file path=ppt/slides/slide11.xml><?xml version="1.0" encoding="utf-8"?>
+<p:sld xmlns:a="http://schemas.openxmlformats.org/drawingml/2006/main" xmlns:r="http://schemas.openxmlformats.org/officeDocument/2006/relationships" xmlns:p="http://schemas.openxmlformats.org/presentationml/2006/main">
+  <p:cSld>
+    <p:spTree>
+      <p:nvGrpSpPr>
+        <p:cNvPr id="1" name=""/>
+        <p:cNvGrpSpPr/>
+        <p:nvPr/>
+      </p:nvGrpSpPr>
+      <p:grpSpPr>
+        <a:xfrm>
+          <a:off x="0" y="0"/>
+          <a:ext cx="0" cy="0"/>
+          <a:chOff x="0" y="0"/>
+          <a:chExt cx="0" cy="0"/>
+        </a:xfrm>
+      </p:grpSpPr>
+      <p:sp>
+        <p:nvSpPr>
+          <p:cNvPr id="2" name="Nadpis 1">
+            <a:extLst>
+              <a:ext uri="{FF2B5EF4-FFF2-40B4-BE49-F238E27FC236}">
+                <a16:creationId xmlns:a16="http://schemas.microsoft.com/office/drawing/2014/main" id="{F024EEB2-0FF8-401F-A488-146F7EE99037}"/>
+              </a:ext>
+            </a:extLst>
+          </p:cNvPr>
+          <p:cNvSpPr>
+            <a:spLocks noGrp="1"/>
+          </p:cNvSpPr>
+          <p:nvPr>
+            <p:ph type="title"/>
+          </p:nvPr>
+        </p:nvSpPr>
+        <p:spPr/>
+        <p:txBody>
+          <a:bodyPr/>
+          <a:lstStyle/>
+          <a:p>
+            <a:r>
+              <a:rPr lang="cs-CZ" dirty="0"/>
+              <a:t>Zdroje a odkazy</a:t>
+            </a:r>
+          </a:p>
+        </p:txBody>
+      </p:sp>
+      <p:sp>
+        <p:nvSpPr>
+          <p:cNvPr id="3" name="Zástupný obsah 2">
+            <a:extLst>
+              <a:ext uri="{FF2B5EF4-FFF2-40B4-BE49-F238E27FC236}">
+                <a16:creationId xmlns:a16="http://schemas.microsoft.com/office/drawing/2014/main" id="{55C2BC33-B27E-4F36-BFB2-F0D26EDE264E}"/>
+              </a:ext>
+            </a:extLst>
+          </p:cNvPr>
+          <p:cNvSpPr>
+            <a:spLocks noGrp="1"/>
+          </p:cNvSpPr>
+          <p:nvPr>
+            <p:ph idx="1"/>
+          </p:nvPr>
+        </p:nvSpPr>
+        <p:spPr/>
+        <p:txBody>
+          <a:bodyPr>
+            <a:normAutofit/>
+          </a:bodyPr>
+          <a:lstStyle/>
+          <a:p>
+            <a:r>
+              <a:rPr lang="cs-CZ" sz="2400" dirty="0">
+                <a:hlinkClick r:id="rId2"/>
+              </a:rPr>
+              <a:t>https://cs.wikipedia.org/wiki/Metoda_(programov%C3%A1n%C3%AD)</a:t>
+            </a:r>
+            <a:endParaRPr lang="cs-CZ" sz="2400" dirty="0"/>
+          </a:p>
+          <a:p>
+            <a:r>
+              <a:rPr lang="cs-CZ" sz="2400" dirty="0">
+                <a:hlinkClick r:id="rId3"/>
+              </a:rPr>
+              <a:t>https://en.wikipedia.org/wiki/</a:t>
+            </a:r>
+            <a:r>
+              <a:rPr lang="cs-CZ" sz="2400" dirty="0" err="1">
+                <a:hlinkClick r:id="rId3"/>
+              </a:rPr>
+              <a:t>Method</a:t>
+            </a:r>
+            <a:r>
+              <a:rPr lang="cs-CZ" sz="2400" dirty="0">
+                <a:hlinkClick r:id="rId3"/>
+              </a:rPr>
+              <a:t>_(</a:t>
+            </a:r>
+            <a:r>
+              <a:rPr lang="cs-CZ" sz="2400" dirty="0" err="1">
+                <a:hlinkClick r:id="rId3"/>
+              </a:rPr>
+              <a:t>computer_programming</a:t>
+            </a:r>
+            <a:r>
+              <a:rPr lang="cs-CZ" sz="2400" dirty="0">
+                <a:hlinkClick r:id="rId3"/>
+              </a:rPr>
+              <a:t>)</a:t>
+            </a:r>
+            <a:endParaRPr lang="cs-CZ" sz="2400" dirty="0"/>
+          </a:p>
+          <a:p>
+            <a:r>
+              <a:rPr lang="cs-CZ" sz="2400" dirty="0">
+                <a:hlinkClick r:id="rId4"/>
+              </a:rPr>
+              <a:t>https://www.c-sharpcorner.com/UploadFile/da55bf/methods-in-C-Sharp/</a:t>
+            </a:r>
+            <a:endParaRPr lang="cs-CZ" sz="2400" dirty="0"/>
+          </a:p>
+          <a:p>
+            <a:endParaRPr lang="cs-CZ" sz="2400" dirty="0"/>
+          </a:p>
+          <a:p>
+            <a:endParaRPr lang="cs-CZ" sz="2400" dirty="0"/>
+          </a:p>
+          <a:p>
+            <a:r>
+              <a:rPr lang="cs-CZ" sz="2400" dirty="0">
+                <a:hlinkClick r:id="rId5"/>
+              </a:rPr>
+              <a:t>https://carbon.now.sh</a:t>
+            </a:r>
+            <a:endParaRPr lang="cs-CZ" sz="2400" dirty="0"/>
+          </a:p>
+          <a:p>
+            <a:r>
+              <a:rPr lang="cs-CZ" sz="2400" dirty="0">
+                <a:hlinkClick r:id="rId6"/>
+              </a:rPr>
+              <a:t>https://www.deepl.com/translator#en/cs/</a:t>
+            </a:r>
+            <a:endParaRPr lang="cs-CZ" sz="2400" dirty="0"/>
+          </a:p>
+          <a:p>
+            <a:endParaRPr lang="cs-CZ" sz="2400" dirty="0"/>
+          </a:p>
+          <a:p>
+            <a:endParaRPr lang="cs-CZ" sz="2400" dirty="0"/>
+          </a:p>
+        </p:txBody>
+      </p:sp>
+    </p:spTree>
+    <p:extLst>
+      <p:ext uri="{BB962C8B-B14F-4D97-AF65-F5344CB8AC3E}">
+        <p14:creationId xmlns:p14="http://schemas.microsoft.com/office/powerpoint/2010/main" val="945045884"/>
       </p:ext>
     </p:extLst>
   </p:cSld>
@@ -4427,9 +7409,16 @@
             <p:ph idx="1"/>
           </p:nvPr>
         </p:nvSpPr>
-        <p:spPr/>
-        <p:txBody>
-          <a:bodyPr/>
+        <p:spPr>
+          <a:xfrm>
+            <a:off x="838200" y="1825625"/>
+            <a:ext cx="10515600" cy="1862455"/>
+          </a:xfrm>
+        </p:spPr>
+        <p:txBody>
+          <a:bodyPr>
+            <a:normAutofit fontScale="92500" lnSpcReduction="10000"/>
+          </a:bodyPr>
           <a:lstStyle/>
           <a:p>
             <a:r>
@@ -4466,7 +7455,7 @@
           <a:p>
             <a:r>
               <a:rPr lang="cs-CZ" dirty="0"/>
-              <a:t>Metoda může i zjednodušit opakované psaní několika řádků kódů.</a:t>
+              <a:t>Data jsou reprezentována jako vlastnosti objektu a chování jako metody.</a:t>
             </a:r>
           </a:p>
           <a:p>
@@ -4854,7 +7843,7 @@
           <p:nvPr/>
         </p:nvPicPr>
         <p:blipFill>
-          <a:blip r:embed="rId2">
+          <a:blip r:embed="rId3">
             <a:extLst>
               <a:ext uri="{28A0092B-C50C-407E-A947-70E740481C1C}">
                 <a14:useLocalDpi xmlns:a14="http://schemas.microsoft.com/office/drawing/2010/main" val="0"/>
@@ -4892,7 +7881,7 @@
           </p:nvPr>
         </p:nvPicPr>
         <p:blipFill>
-          <a:blip r:embed="rId3">
+          <a:blip r:embed="rId4">
             <a:extLst>
               <a:ext uri="{28A0092B-C50C-407E-A947-70E740481C1C}">
                 <a14:useLocalDpi xmlns:a14="http://schemas.microsoft.com/office/drawing/2010/main" val="0"/>
@@ -5374,7 +8363,7 @@
           </p:nvPr>
         </p:nvPicPr>
         <p:blipFill>
-          <a:blip r:embed="rId2">
+          <a:blip r:embed="rId3">
             <a:extLst>
               <a:ext uri="{28A0092B-C50C-407E-A947-70E740481C1C}">
                 <a14:useLocalDpi xmlns:a14="http://schemas.microsoft.com/office/drawing/2010/main" val="0"/>
